--- a/notebooks/images/images.pptx
+++ b/notebooks/images/images.pptx
@@ -9,6 +9,9 @@
     <p:sldId id="257" r:id="rId3"/>
     <p:sldId id="258" r:id="rId4"/>
     <p:sldId id="259" r:id="rId5"/>
+    <p:sldId id="260" r:id="rId6"/>
+    <p:sldId id="261" r:id="rId7"/>
+    <p:sldId id="262" r:id="rId8"/>
   </p:sldIdLst>
   <p:sldSz cx="12192000" cy="13716000"/>
   <p:notesSz cx="6858000" cy="9144000"/>
@@ -1182,7 +1185,7 @@
           <a:p>
             <a:fld id="{E6C190CA-BEBC-C440-A0F7-1CCDA0A4A6EE}" type="datetimeFigureOut">
               <a:rPr lang="en-US" smtClean="0"/>
-              <a:t>9/15/18</a:t>
+              <a:t>9/17/18</a:t>
             </a:fld>
             <a:endParaRPr lang="en-US"/>
           </a:p>
@@ -1352,7 +1355,7 @@
           <a:p>
             <a:fld id="{E6C190CA-BEBC-C440-A0F7-1CCDA0A4A6EE}" type="datetimeFigureOut">
               <a:rPr lang="en-US" smtClean="0"/>
-              <a:t>9/15/18</a:t>
+              <a:t>9/17/18</a:t>
             </a:fld>
             <a:endParaRPr lang="en-US"/>
           </a:p>
@@ -1532,7 +1535,7 @@
           <a:p>
             <a:fld id="{E6C190CA-BEBC-C440-A0F7-1CCDA0A4A6EE}" type="datetimeFigureOut">
               <a:rPr lang="en-US" smtClean="0"/>
-              <a:t>9/15/18</a:t>
+              <a:t>9/17/18</a:t>
             </a:fld>
             <a:endParaRPr lang="en-US"/>
           </a:p>
@@ -1702,7 +1705,7 @@
           <a:p>
             <a:fld id="{E6C190CA-BEBC-C440-A0F7-1CCDA0A4A6EE}" type="datetimeFigureOut">
               <a:rPr lang="en-US" smtClean="0"/>
-              <a:t>9/15/18</a:t>
+              <a:t>9/17/18</a:t>
             </a:fld>
             <a:endParaRPr lang="en-US"/>
           </a:p>
@@ -1946,7 +1949,7 @@
           <a:p>
             <a:fld id="{E6C190CA-BEBC-C440-A0F7-1CCDA0A4A6EE}" type="datetimeFigureOut">
               <a:rPr lang="en-US" smtClean="0"/>
-              <a:t>9/15/18</a:t>
+              <a:t>9/17/18</a:t>
             </a:fld>
             <a:endParaRPr lang="en-US"/>
           </a:p>
@@ -2178,7 +2181,7 @@
           <a:p>
             <a:fld id="{E6C190CA-BEBC-C440-A0F7-1CCDA0A4A6EE}" type="datetimeFigureOut">
               <a:rPr lang="en-US" smtClean="0"/>
-              <a:t>9/15/18</a:t>
+              <a:t>9/17/18</a:t>
             </a:fld>
             <a:endParaRPr lang="en-US"/>
           </a:p>
@@ -2545,7 +2548,7 @@
           <a:p>
             <a:fld id="{E6C190CA-BEBC-C440-A0F7-1CCDA0A4A6EE}" type="datetimeFigureOut">
               <a:rPr lang="en-US" smtClean="0"/>
-              <a:t>9/15/18</a:t>
+              <a:t>9/17/18</a:t>
             </a:fld>
             <a:endParaRPr lang="en-US"/>
           </a:p>
@@ -2663,7 +2666,7 @@
           <a:p>
             <a:fld id="{E6C190CA-BEBC-C440-A0F7-1CCDA0A4A6EE}" type="datetimeFigureOut">
               <a:rPr lang="en-US" smtClean="0"/>
-              <a:t>9/15/18</a:t>
+              <a:t>9/17/18</a:t>
             </a:fld>
             <a:endParaRPr lang="en-US"/>
           </a:p>
@@ -2758,7 +2761,7 @@
           <a:p>
             <a:fld id="{E6C190CA-BEBC-C440-A0F7-1CCDA0A4A6EE}" type="datetimeFigureOut">
               <a:rPr lang="en-US" smtClean="0"/>
-              <a:t>9/15/18</a:t>
+              <a:t>9/17/18</a:t>
             </a:fld>
             <a:endParaRPr lang="en-US"/>
           </a:p>
@@ -3035,7 +3038,7 @@
           <a:p>
             <a:fld id="{E6C190CA-BEBC-C440-A0F7-1CCDA0A4A6EE}" type="datetimeFigureOut">
               <a:rPr lang="en-US" smtClean="0"/>
-              <a:t>9/15/18</a:t>
+              <a:t>9/17/18</a:t>
             </a:fld>
             <a:endParaRPr lang="en-US"/>
           </a:p>
@@ -3292,7 +3295,7 @@
           <a:p>
             <a:fld id="{E6C190CA-BEBC-C440-A0F7-1CCDA0A4A6EE}" type="datetimeFigureOut">
               <a:rPr lang="en-US" smtClean="0"/>
-              <a:t>9/15/18</a:t>
+              <a:t>9/17/18</a:t>
             </a:fld>
             <a:endParaRPr lang="en-US"/>
           </a:p>
@@ -3505,7 +3508,7 @@
           <a:p>
             <a:fld id="{E6C190CA-BEBC-C440-A0F7-1CCDA0A4A6EE}" type="datetimeFigureOut">
               <a:rPr lang="en-US" smtClean="0"/>
-              <a:t>9/15/18</a:t>
+              <a:t>9/17/18</a:t>
             </a:fld>
             <a:endParaRPr lang="en-US"/>
           </a:p>
@@ -10190,6 +10193,3398 @@
 </p:sld>
 </file>
 
+<file path=ppt/slides/slide5.xml><?xml version="1.0" encoding="utf-8"?>
+<p:sld xmlns:a="http://schemas.openxmlformats.org/drawingml/2006/main" xmlns:r="http://schemas.openxmlformats.org/officeDocument/2006/relationships" xmlns:p="http://schemas.openxmlformats.org/presentationml/2006/main">
+  <p:cSld>
+    <p:spTree>
+      <p:nvGrpSpPr>
+        <p:cNvPr id="1" name=""/>
+        <p:cNvGrpSpPr/>
+        <p:nvPr/>
+      </p:nvGrpSpPr>
+      <p:grpSpPr>
+        <a:xfrm>
+          <a:off x="0" y="0"/>
+          <a:ext cx="0" cy="0"/>
+          <a:chOff x="0" y="0"/>
+          <a:chExt cx="0" cy="0"/>
+        </a:xfrm>
+      </p:grpSpPr>
+      <p:grpSp>
+        <p:nvGrpSpPr>
+          <p:cNvPr id="20" name="Group 19">
+            <a:extLst>
+              <a:ext uri="{FF2B5EF4-FFF2-40B4-BE49-F238E27FC236}">
+                <a16:creationId xmlns:a16="http://schemas.microsoft.com/office/drawing/2014/main" id="{797FCCB3-A8EB-3549-B0DC-ABD054A2F8FE}"/>
+              </a:ext>
+            </a:extLst>
+          </p:cNvPr>
+          <p:cNvGrpSpPr/>
+          <p:nvPr/>
+        </p:nvGrpSpPr>
+        <p:grpSpPr>
+          <a:xfrm>
+            <a:off x="2405588" y="8801391"/>
+            <a:ext cx="6112042" cy="3296518"/>
+            <a:chOff x="2405588" y="8801391"/>
+            <a:chExt cx="6112042" cy="3296518"/>
+          </a:xfrm>
+        </p:grpSpPr>
+        <p:sp>
+          <p:nvSpPr>
+            <p:cNvPr id="4" name="Rectangle 3">
+              <a:extLst>
+                <a:ext uri="{FF2B5EF4-FFF2-40B4-BE49-F238E27FC236}">
+                  <a16:creationId xmlns:a16="http://schemas.microsoft.com/office/drawing/2014/main" id="{30FB74C3-3EEE-4545-9AE2-9E18829A6FEB}"/>
+                </a:ext>
+              </a:extLst>
+            </p:cNvPr>
+            <p:cNvSpPr/>
+            <p:nvPr/>
+          </p:nvSpPr>
+          <p:spPr>
+            <a:xfrm>
+              <a:off x="2549245" y="9276781"/>
+              <a:ext cx="1894413" cy="399787"/>
+            </a:xfrm>
+            <a:prstGeom prst="rect">
+              <a:avLst/>
+            </a:prstGeom>
+            <a:solidFill>
+              <a:srgbClr val="002060"/>
+            </a:solidFill>
+            <a:ln>
+              <a:noFill/>
+            </a:ln>
+            <a:effectLst/>
+          </p:spPr>
+          <p:style>
+            <a:lnRef idx="2">
+              <a:schemeClr val="accent1">
+                <a:shade val="50000"/>
+              </a:schemeClr>
+            </a:lnRef>
+            <a:fillRef idx="1">
+              <a:schemeClr val="accent1"/>
+            </a:fillRef>
+            <a:effectRef idx="0">
+              <a:schemeClr val="accent1"/>
+            </a:effectRef>
+            <a:fontRef idx="minor">
+              <a:schemeClr val="lt1"/>
+            </a:fontRef>
+          </p:style>
+          <p:txBody>
+            <a:bodyPr lIns="0" rtlCol="0" anchor="ctr"/>
+            <a:lstStyle/>
+            <a:p>
+              <a:pPr algn="ctr"/>
+              <a:r>
+                <a:rPr lang="en-US" b="1" dirty="0">
+                  <a:solidFill>
+                    <a:schemeClr val="bg1"/>
+                  </a:solidFill>
+                  <a:latin typeface="Tahoma" panose="020B0604030504040204" pitchFamily="34" charset="0"/>
+                  <a:ea typeface="Tahoma" panose="020B0604030504040204" pitchFamily="34" charset="0"/>
+                  <a:cs typeface="Tahoma" panose="020B0604030504040204" pitchFamily="34" charset="0"/>
+                </a:rPr>
+                <a:t>School A</a:t>
+              </a:r>
+            </a:p>
+          </p:txBody>
+        </p:sp>
+        <p:sp>
+          <p:nvSpPr>
+            <p:cNvPr id="5" name="Rectangle 4">
+              <a:extLst>
+                <a:ext uri="{FF2B5EF4-FFF2-40B4-BE49-F238E27FC236}">
+                  <a16:creationId xmlns:a16="http://schemas.microsoft.com/office/drawing/2014/main" id="{ADF9AA10-C287-014F-8F84-66B543B75F18}"/>
+                </a:ext>
+              </a:extLst>
+            </p:cNvPr>
+            <p:cNvSpPr/>
+            <p:nvPr/>
+          </p:nvSpPr>
+          <p:spPr>
+            <a:xfrm>
+              <a:off x="2549244" y="9752169"/>
+              <a:ext cx="1894413" cy="399787"/>
+            </a:xfrm>
+            <a:prstGeom prst="rect">
+              <a:avLst/>
+            </a:prstGeom>
+            <a:solidFill>
+              <a:srgbClr val="002060"/>
+            </a:solidFill>
+            <a:ln>
+              <a:noFill/>
+            </a:ln>
+            <a:effectLst/>
+          </p:spPr>
+          <p:style>
+            <a:lnRef idx="2">
+              <a:schemeClr val="accent1">
+                <a:shade val="50000"/>
+              </a:schemeClr>
+            </a:lnRef>
+            <a:fillRef idx="1">
+              <a:schemeClr val="accent1"/>
+            </a:fillRef>
+            <a:effectRef idx="0">
+              <a:schemeClr val="accent1"/>
+            </a:effectRef>
+            <a:fontRef idx="minor">
+              <a:schemeClr val="lt1"/>
+            </a:fontRef>
+          </p:style>
+          <p:txBody>
+            <a:bodyPr lIns="0" rtlCol="0" anchor="ctr"/>
+            <a:lstStyle/>
+            <a:p>
+              <a:pPr algn="ctr"/>
+              <a:r>
+                <a:rPr lang="en-US" b="1" dirty="0">
+                  <a:solidFill>
+                    <a:schemeClr val="bg1"/>
+                  </a:solidFill>
+                  <a:latin typeface="Tahoma" panose="020B0604030504040204" pitchFamily="34" charset="0"/>
+                  <a:ea typeface="Tahoma" panose="020B0604030504040204" pitchFamily="34" charset="0"/>
+                  <a:cs typeface="Tahoma" panose="020B0604030504040204" pitchFamily="34" charset="0"/>
+                </a:rPr>
+                <a:t>School B</a:t>
+              </a:r>
+            </a:p>
+          </p:txBody>
+        </p:sp>
+        <p:sp>
+          <p:nvSpPr>
+            <p:cNvPr id="6" name="Rectangle 5">
+              <a:extLst>
+                <a:ext uri="{FF2B5EF4-FFF2-40B4-BE49-F238E27FC236}">
+                  <a16:creationId xmlns:a16="http://schemas.microsoft.com/office/drawing/2014/main" id="{DE782A43-122C-6D40-82E7-071F271047F1}"/>
+                </a:ext>
+              </a:extLst>
+            </p:cNvPr>
+            <p:cNvSpPr/>
+            <p:nvPr/>
+          </p:nvSpPr>
+          <p:spPr>
+            <a:xfrm>
+              <a:off x="2549243" y="10229961"/>
+              <a:ext cx="1894413" cy="399787"/>
+            </a:xfrm>
+            <a:prstGeom prst="rect">
+              <a:avLst/>
+            </a:prstGeom>
+            <a:solidFill>
+              <a:srgbClr val="002060"/>
+            </a:solidFill>
+            <a:ln>
+              <a:noFill/>
+            </a:ln>
+            <a:effectLst/>
+          </p:spPr>
+          <p:style>
+            <a:lnRef idx="2">
+              <a:schemeClr val="accent1">
+                <a:shade val="50000"/>
+              </a:schemeClr>
+            </a:lnRef>
+            <a:fillRef idx="1">
+              <a:schemeClr val="accent1"/>
+            </a:fillRef>
+            <a:effectRef idx="0">
+              <a:schemeClr val="accent1"/>
+            </a:effectRef>
+            <a:fontRef idx="minor">
+              <a:schemeClr val="lt1"/>
+            </a:fontRef>
+          </p:style>
+          <p:txBody>
+            <a:bodyPr lIns="0" rtlCol="0" anchor="ctr"/>
+            <a:lstStyle/>
+            <a:p>
+              <a:pPr algn="ctr"/>
+              <a:r>
+                <a:rPr lang="en-US" b="1" dirty="0">
+                  <a:solidFill>
+                    <a:schemeClr val="bg1"/>
+                  </a:solidFill>
+                  <a:latin typeface="Tahoma" panose="020B0604030504040204" pitchFamily="34" charset="0"/>
+                  <a:ea typeface="Tahoma" panose="020B0604030504040204" pitchFamily="34" charset="0"/>
+                  <a:cs typeface="Tahoma" panose="020B0604030504040204" pitchFamily="34" charset="0"/>
+                </a:rPr>
+                <a:t>School C</a:t>
+              </a:r>
+            </a:p>
+          </p:txBody>
+        </p:sp>
+        <p:sp>
+          <p:nvSpPr>
+            <p:cNvPr id="7" name="Rectangle 6">
+              <a:extLst>
+                <a:ext uri="{FF2B5EF4-FFF2-40B4-BE49-F238E27FC236}">
+                  <a16:creationId xmlns:a16="http://schemas.microsoft.com/office/drawing/2014/main" id="{5E93ED04-45D7-674E-85E3-B62E57962658}"/>
+                </a:ext>
+              </a:extLst>
+            </p:cNvPr>
+            <p:cNvSpPr/>
+            <p:nvPr/>
+          </p:nvSpPr>
+          <p:spPr>
+            <a:xfrm>
+              <a:off x="4514405" y="9276781"/>
+              <a:ext cx="1894413" cy="399787"/>
+            </a:xfrm>
+            <a:prstGeom prst="rect">
+              <a:avLst/>
+            </a:prstGeom>
+            <a:solidFill>
+              <a:schemeClr val="bg1">
+                <a:lumMod val="85000"/>
+              </a:schemeClr>
+            </a:solidFill>
+            <a:ln>
+              <a:noFill/>
+            </a:ln>
+            <a:effectLst/>
+          </p:spPr>
+          <p:style>
+            <a:lnRef idx="2">
+              <a:schemeClr val="accent1">
+                <a:shade val="50000"/>
+              </a:schemeClr>
+            </a:lnRef>
+            <a:fillRef idx="1">
+              <a:schemeClr val="accent1"/>
+            </a:fillRef>
+            <a:effectRef idx="0">
+              <a:schemeClr val="accent1"/>
+            </a:effectRef>
+            <a:fontRef idx="minor">
+              <a:schemeClr val="lt1"/>
+            </a:fontRef>
+          </p:style>
+          <p:txBody>
+            <a:bodyPr lIns="0" rtlCol="0" anchor="ctr"/>
+            <a:lstStyle/>
+            <a:p>
+              <a:pPr algn="ctr"/>
+              <a:r>
+                <a:rPr lang="en-US" dirty="0">
+                  <a:solidFill>
+                    <a:schemeClr val="tx1"/>
+                  </a:solidFill>
+                  <a:latin typeface="Tahoma" panose="020B0604030504040204" pitchFamily="34" charset="0"/>
+                  <a:ea typeface="Tahoma" panose="020B0604030504040204" pitchFamily="34" charset="0"/>
+                  <a:cs typeface="Tahoma" panose="020B0604030504040204" pitchFamily="34" charset="0"/>
+                </a:rPr>
+                <a:t>$5,000</a:t>
+              </a:r>
+            </a:p>
+          </p:txBody>
+        </p:sp>
+        <p:sp>
+          <p:nvSpPr>
+            <p:cNvPr id="8" name="Rectangle 7">
+              <a:extLst>
+                <a:ext uri="{FF2B5EF4-FFF2-40B4-BE49-F238E27FC236}">
+                  <a16:creationId xmlns:a16="http://schemas.microsoft.com/office/drawing/2014/main" id="{CF09A70B-0413-024C-B552-EA31716D9F35}"/>
+                </a:ext>
+              </a:extLst>
+            </p:cNvPr>
+            <p:cNvSpPr/>
+            <p:nvPr/>
+          </p:nvSpPr>
+          <p:spPr>
+            <a:xfrm>
+              <a:off x="4514405" y="9752170"/>
+              <a:ext cx="1894413" cy="399787"/>
+            </a:xfrm>
+            <a:prstGeom prst="rect">
+              <a:avLst/>
+            </a:prstGeom>
+            <a:solidFill>
+              <a:schemeClr val="bg1">
+                <a:lumMod val="85000"/>
+              </a:schemeClr>
+            </a:solidFill>
+            <a:ln>
+              <a:noFill/>
+            </a:ln>
+            <a:effectLst/>
+          </p:spPr>
+          <p:style>
+            <a:lnRef idx="2">
+              <a:schemeClr val="accent1">
+                <a:shade val="50000"/>
+              </a:schemeClr>
+            </a:lnRef>
+            <a:fillRef idx="1">
+              <a:schemeClr val="accent1"/>
+            </a:fillRef>
+            <a:effectRef idx="0">
+              <a:schemeClr val="accent1"/>
+            </a:effectRef>
+            <a:fontRef idx="minor">
+              <a:schemeClr val="lt1"/>
+            </a:fontRef>
+          </p:style>
+          <p:txBody>
+            <a:bodyPr lIns="0" rtlCol="0" anchor="ctr"/>
+            <a:lstStyle/>
+            <a:p>
+              <a:pPr algn="ctr"/>
+              <a:r>
+                <a:rPr lang="en-US" dirty="0">
+                  <a:solidFill>
+                    <a:schemeClr val="tx1"/>
+                  </a:solidFill>
+                  <a:latin typeface="Tahoma" panose="020B0604030504040204" pitchFamily="34" charset="0"/>
+                  <a:ea typeface="Tahoma" panose="020B0604030504040204" pitchFamily="34" charset="0"/>
+                  <a:cs typeface="Tahoma" panose="020B0604030504040204" pitchFamily="34" charset="0"/>
+                </a:rPr>
+                <a:t>$7,000</a:t>
+              </a:r>
+            </a:p>
+          </p:txBody>
+        </p:sp>
+        <p:sp>
+          <p:nvSpPr>
+            <p:cNvPr id="9" name="Rectangle 8">
+              <a:extLst>
+                <a:ext uri="{FF2B5EF4-FFF2-40B4-BE49-F238E27FC236}">
+                  <a16:creationId xmlns:a16="http://schemas.microsoft.com/office/drawing/2014/main" id="{30E12FD1-2330-7841-A0E7-A7D59719D670}"/>
+                </a:ext>
+              </a:extLst>
+            </p:cNvPr>
+            <p:cNvSpPr/>
+            <p:nvPr/>
+          </p:nvSpPr>
+          <p:spPr>
+            <a:xfrm>
+              <a:off x="4514405" y="10229961"/>
+              <a:ext cx="1894413" cy="399787"/>
+            </a:xfrm>
+            <a:prstGeom prst="rect">
+              <a:avLst/>
+            </a:prstGeom>
+            <a:solidFill>
+              <a:schemeClr val="bg1">
+                <a:lumMod val="85000"/>
+              </a:schemeClr>
+            </a:solidFill>
+            <a:ln>
+              <a:noFill/>
+            </a:ln>
+            <a:effectLst/>
+          </p:spPr>
+          <p:style>
+            <a:lnRef idx="2">
+              <a:schemeClr val="accent1">
+                <a:shade val="50000"/>
+              </a:schemeClr>
+            </a:lnRef>
+            <a:fillRef idx="1">
+              <a:schemeClr val="accent1"/>
+            </a:fillRef>
+            <a:effectRef idx="0">
+              <a:schemeClr val="accent1"/>
+            </a:effectRef>
+            <a:fontRef idx="minor">
+              <a:schemeClr val="lt1"/>
+            </a:fontRef>
+          </p:style>
+          <p:txBody>
+            <a:bodyPr lIns="0" rtlCol="0" anchor="ctr"/>
+            <a:lstStyle/>
+            <a:p>
+              <a:pPr algn="ctr"/>
+              <a:r>
+                <a:rPr lang="en-US" dirty="0">
+                  <a:solidFill>
+                    <a:schemeClr val="tx1"/>
+                  </a:solidFill>
+                  <a:latin typeface="Tahoma" panose="020B0604030504040204" pitchFamily="34" charset="0"/>
+                  <a:ea typeface="Tahoma" panose="020B0604030504040204" pitchFamily="34" charset="0"/>
+                  <a:cs typeface="Tahoma" panose="020B0604030504040204" pitchFamily="34" charset="0"/>
+                </a:rPr>
+                <a:t>$6,000</a:t>
+              </a:r>
+            </a:p>
+          </p:txBody>
+        </p:sp>
+        <p:sp>
+          <p:nvSpPr>
+            <p:cNvPr id="10" name="Rectangle 9">
+              <a:extLst>
+                <a:ext uri="{FF2B5EF4-FFF2-40B4-BE49-F238E27FC236}">
+                  <a16:creationId xmlns:a16="http://schemas.microsoft.com/office/drawing/2014/main" id="{453A870E-E723-6D49-980B-9D1EC97C7355}"/>
+                </a:ext>
+              </a:extLst>
+            </p:cNvPr>
+            <p:cNvSpPr/>
+            <p:nvPr/>
+          </p:nvSpPr>
+          <p:spPr>
+            <a:xfrm>
+              <a:off x="6479565" y="9276781"/>
+              <a:ext cx="1894413" cy="399787"/>
+            </a:xfrm>
+            <a:prstGeom prst="rect">
+              <a:avLst/>
+            </a:prstGeom>
+            <a:solidFill>
+              <a:schemeClr val="bg1">
+                <a:lumMod val="85000"/>
+              </a:schemeClr>
+            </a:solidFill>
+            <a:ln>
+              <a:noFill/>
+            </a:ln>
+            <a:effectLst/>
+          </p:spPr>
+          <p:style>
+            <a:lnRef idx="2">
+              <a:schemeClr val="accent1">
+                <a:shade val="50000"/>
+              </a:schemeClr>
+            </a:lnRef>
+            <a:fillRef idx="1">
+              <a:schemeClr val="accent1"/>
+            </a:fillRef>
+            <a:effectRef idx="0">
+              <a:schemeClr val="accent1"/>
+            </a:effectRef>
+            <a:fontRef idx="minor">
+              <a:schemeClr val="lt1"/>
+            </a:fontRef>
+          </p:style>
+          <p:txBody>
+            <a:bodyPr lIns="0" rtlCol="0" anchor="ctr"/>
+            <a:lstStyle/>
+            <a:p>
+              <a:pPr algn="ctr"/>
+              <a:r>
+                <a:rPr lang="en-US" dirty="0">
+                  <a:solidFill>
+                    <a:schemeClr val="tx1"/>
+                  </a:solidFill>
+                  <a:latin typeface="Tahoma" panose="020B0604030504040204" pitchFamily="34" charset="0"/>
+                  <a:ea typeface="Tahoma" panose="020B0604030504040204" pitchFamily="34" charset="0"/>
+                  <a:cs typeface="Tahoma" panose="020B0604030504040204" pitchFamily="34" charset="0"/>
+                </a:rPr>
+                <a:t>30</a:t>
+              </a:r>
+            </a:p>
+          </p:txBody>
+        </p:sp>
+        <p:sp>
+          <p:nvSpPr>
+            <p:cNvPr id="11" name="Rectangle 10">
+              <a:extLst>
+                <a:ext uri="{FF2B5EF4-FFF2-40B4-BE49-F238E27FC236}">
+                  <a16:creationId xmlns:a16="http://schemas.microsoft.com/office/drawing/2014/main" id="{CC3AA605-99BB-8646-AEC6-F22A2FC32D6F}"/>
+                </a:ext>
+              </a:extLst>
+            </p:cNvPr>
+            <p:cNvSpPr/>
+            <p:nvPr/>
+          </p:nvSpPr>
+          <p:spPr>
+            <a:xfrm>
+              <a:off x="6479564" y="9752170"/>
+              <a:ext cx="1894413" cy="399787"/>
+            </a:xfrm>
+            <a:prstGeom prst="rect">
+              <a:avLst/>
+            </a:prstGeom>
+            <a:solidFill>
+              <a:schemeClr val="bg1">
+                <a:lumMod val="85000"/>
+              </a:schemeClr>
+            </a:solidFill>
+            <a:ln>
+              <a:noFill/>
+            </a:ln>
+            <a:effectLst/>
+          </p:spPr>
+          <p:style>
+            <a:lnRef idx="2">
+              <a:schemeClr val="accent1">
+                <a:shade val="50000"/>
+              </a:schemeClr>
+            </a:lnRef>
+            <a:fillRef idx="1">
+              <a:schemeClr val="accent1"/>
+            </a:fillRef>
+            <a:effectRef idx="0">
+              <a:schemeClr val="accent1"/>
+            </a:effectRef>
+            <a:fontRef idx="minor">
+              <a:schemeClr val="lt1"/>
+            </a:fontRef>
+          </p:style>
+          <p:txBody>
+            <a:bodyPr lIns="0" rtlCol="0" anchor="ctr"/>
+            <a:lstStyle/>
+            <a:p>
+              <a:pPr algn="ctr"/>
+              <a:r>
+                <a:rPr lang="en-US" dirty="0">
+                  <a:solidFill>
+                    <a:schemeClr val="tx1"/>
+                  </a:solidFill>
+                  <a:latin typeface="Tahoma" panose="020B0604030504040204" pitchFamily="34" charset="0"/>
+                  <a:ea typeface="Tahoma" panose="020B0604030504040204" pitchFamily="34" charset="0"/>
+                  <a:cs typeface="Tahoma" panose="020B0604030504040204" pitchFamily="34" charset="0"/>
+                </a:rPr>
+                <a:t>20</a:t>
+              </a:r>
+            </a:p>
+          </p:txBody>
+        </p:sp>
+        <p:sp>
+          <p:nvSpPr>
+            <p:cNvPr id="12" name="Rectangle 11">
+              <a:extLst>
+                <a:ext uri="{FF2B5EF4-FFF2-40B4-BE49-F238E27FC236}">
+                  <a16:creationId xmlns:a16="http://schemas.microsoft.com/office/drawing/2014/main" id="{904F7482-6F5F-9E45-96BA-2B6D40A88DEC}"/>
+                </a:ext>
+              </a:extLst>
+            </p:cNvPr>
+            <p:cNvSpPr/>
+            <p:nvPr/>
+          </p:nvSpPr>
+          <p:spPr>
+            <a:xfrm>
+              <a:off x="6479564" y="10229961"/>
+              <a:ext cx="1894413" cy="399787"/>
+            </a:xfrm>
+            <a:prstGeom prst="rect">
+              <a:avLst/>
+            </a:prstGeom>
+            <a:solidFill>
+              <a:schemeClr val="bg1">
+                <a:lumMod val="85000"/>
+              </a:schemeClr>
+            </a:solidFill>
+            <a:ln>
+              <a:noFill/>
+            </a:ln>
+            <a:effectLst/>
+          </p:spPr>
+          <p:style>
+            <a:lnRef idx="2">
+              <a:schemeClr val="accent1">
+                <a:shade val="50000"/>
+              </a:schemeClr>
+            </a:lnRef>
+            <a:fillRef idx="1">
+              <a:schemeClr val="accent1"/>
+            </a:fillRef>
+            <a:effectRef idx="0">
+              <a:schemeClr val="accent1"/>
+            </a:effectRef>
+            <a:fontRef idx="minor">
+              <a:schemeClr val="lt1"/>
+            </a:fontRef>
+          </p:style>
+          <p:txBody>
+            <a:bodyPr lIns="0" rtlCol="0" anchor="ctr"/>
+            <a:lstStyle/>
+            <a:p>
+              <a:pPr algn="ctr"/>
+              <a:r>
+                <a:rPr lang="en-US" dirty="0">
+                  <a:solidFill>
+                    <a:schemeClr val="tx1"/>
+                  </a:solidFill>
+                  <a:latin typeface="Tahoma" panose="020B0604030504040204" pitchFamily="34" charset="0"/>
+                  <a:ea typeface="Tahoma" panose="020B0604030504040204" pitchFamily="34" charset="0"/>
+                  <a:cs typeface="Tahoma" panose="020B0604030504040204" pitchFamily="34" charset="0"/>
+                </a:rPr>
+                <a:t>35</a:t>
+              </a:r>
+            </a:p>
+          </p:txBody>
+        </p:sp>
+        <p:sp>
+          <p:nvSpPr>
+            <p:cNvPr id="13" name="Rectangle 12">
+              <a:extLst>
+                <a:ext uri="{FF2B5EF4-FFF2-40B4-BE49-F238E27FC236}">
+                  <a16:creationId xmlns:a16="http://schemas.microsoft.com/office/drawing/2014/main" id="{F3AA34AB-68EA-D04E-81B1-3C26AD60D925}"/>
+                </a:ext>
+              </a:extLst>
+            </p:cNvPr>
+            <p:cNvSpPr/>
+            <p:nvPr/>
+          </p:nvSpPr>
+          <p:spPr>
+            <a:xfrm>
+              <a:off x="4514406" y="8801392"/>
+              <a:ext cx="1894413" cy="399787"/>
+            </a:xfrm>
+            <a:prstGeom prst="rect">
+              <a:avLst/>
+            </a:prstGeom>
+            <a:solidFill>
+              <a:srgbClr val="002060"/>
+            </a:solidFill>
+            <a:ln>
+              <a:noFill/>
+            </a:ln>
+            <a:effectLst/>
+          </p:spPr>
+          <p:style>
+            <a:lnRef idx="2">
+              <a:schemeClr val="accent1">
+                <a:shade val="50000"/>
+              </a:schemeClr>
+            </a:lnRef>
+            <a:fillRef idx="1">
+              <a:schemeClr val="accent1"/>
+            </a:fillRef>
+            <a:effectRef idx="0">
+              <a:schemeClr val="accent1"/>
+            </a:effectRef>
+            <a:fontRef idx="minor">
+              <a:schemeClr val="lt1"/>
+            </a:fontRef>
+          </p:style>
+          <p:txBody>
+            <a:bodyPr lIns="0" rtlCol="0" anchor="ctr"/>
+            <a:lstStyle/>
+            <a:p>
+              <a:pPr algn="ctr"/>
+              <a:r>
+                <a:rPr lang="en-US" b="1" dirty="0">
+                  <a:solidFill>
+                    <a:schemeClr val="bg1"/>
+                  </a:solidFill>
+                  <a:latin typeface="Tahoma" panose="020B0604030504040204" pitchFamily="34" charset="0"/>
+                  <a:ea typeface="Tahoma" panose="020B0604030504040204" pitchFamily="34" charset="0"/>
+                  <a:cs typeface="Tahoma" panose="020B0604030504040204" pitchFamily="34" charset="0"/>
+                </a:rPr>
+                <a:t>Total Revenue</a:t>
+              </a:r>
+            </a:p>
+          </p:txBody>
+        </p:sp>
+        <p:sp>
+          <p:nvSpPr>
+            <p:cNvPr id="14" name="Rectangle 13">
+              <a:extLst>
+                <a:ext uri="{FF2B5EF4-FFF2-40B4-BE49-F238E27FC236}">
+                  <a16:creationId xmlns:a16="http://schemas.microsoft.com/office/drawing/2014/main" id="{E5A32BC8-9F55-4544-A7C6-9EE5B7212DD5}"/>
+                </a:ext>
+              </a:extLst>
+            </p:cNvPr>
+            <p:cNvSpPr/>
+            <p:nvPr/>
+          </p:nvSpPr>
+          <p:spPr>
+            <a:xfrm>
+              <a:off x="6479566" y="8801391"/>
+              <a:ext cx="1894413" cy="399787"/>
+            </a:xfrm>
+            <a:prstGeom prst="rect">
+              <a:avLst/>
+            </a:prstGeom>
+            <a:solidFill>
+              <a:srgbClr val="002060"/>
+            </a:solidFill>
+            <a:ln>
+              <a:noFill/>
+            </a:ln>
+            <a:effectLst/>
+          </p:spPr>
+          <p:style>
+            <a:lnRef idx="2">
+              <a:schemeClr val="accent1">
+                <a:shade val="50000"/>
+              </a:schemeClr>
+            </a:lnRef>
+            <a:fillRef idx="1">
+              <a:schemeClr val="accent1"/>
+            </a:fillRef>
+            <a:effectRef idx="0">
+              <a:schemeClr val="accent1"/>
+            </a:effectRef>
+            <a:fontRef idx="minor">
+              <a:schemeClr val="lt1"/>
+            </a:fontRef>
+          </p:style>
+          <p:txBody>
+            <a:bodyPr lIns="0" rtlCol="0" anchor="ctr"/>
+            <a:lstStyle/>
+            <a:p>
+              <a:pPr algn="ctr"/>
+              <a:r>
+                <a:rPr lang="en-US" b="1" dirty="0">
+                  <a:solidFill>
+                    <a:schemeClr val="bg1"/>
+                  </a:solidFill>
+                  <a:latin typeface="Tahoma" panose="020B0604030504040204" pitchFamily="34" charset="0"/>
+                  <a:ea typeface="Tahoma" panose="020B0604030504040204" pitchFamily="34" charset="0"/>
+                  <a:cs typeface="Tahoma" panose="020B0604030504040204" pitchFamily="34" charset="0"/>
+                </a:rPr>
+                <a:t>Total Students</a:t>
+              </a:r>
+            </a:p>
+          </p:txBody>
+        </p:sp>
+        <p:sp>
+          <p:nvSpPr>
+            <p:cNvPr id="15" name="Rectangle 14">
+              <a:extLst>
+                <a:ext uri="{FF2B5EF4-FFF2-40B4-BE49-F238E27FC236}">
+                  <a16:creationId xmlns:a16="http://schemas.microsoft.com/office/drawing/2014/main" id="{79380B8D-A205-924C-915D-C8B03E1CA9D8}"/>
+                </a:ext>
+              </a:extLst>
+            </p:cNvPr>
+            <p:cNvSpPr/>
+            <p:nvPr/>
+          </p:nvSpPr>
+          <p:spPr>
+            <a:xfrm>
+              <a:off x="2549242" y="10964727"/>
+              <a:ext cx="1894413" cy="950912"/>
+            </a:xfrm>
+            <a:prstGeom prst="rect">
+              <a:avLst/>
+            </a:prstGeom>
+            <a:solidFill>
+              <a:srgbClr val="002060"/>
+            </a:solidFill>
+            <a:ln>
+              <a:noFill/>
+            </a:ln>
+            <a:effectLst/>
+          </p:spPr>
+          <p:style>
+            <a:lnRef idx="2">
+              <a:schemeClr val="accent1">
+                <a:shade val="50000"/>
+              </a:schemeClr>
+            </a:lnRef>
+            <a:fillRef idx="1">
+              <a:schemeClr val="accent1"/>
+            </a:fillRef>
+            <a:effectRef idx="0">
+              <a:schemeClr val="accent1"/>
+            </a:effectRef>
+            <a:fontRef idx="minor">
+              <a:schemeClr val="lt1"/>
+            </a:fontRef>
+          </p:style>
+          <p:txBody>
+            <a:bodyPr lIns="0" rtlCol="0" anchor="ctr"/>
+            <a:lstStyle/>
+            <a:p>
+              <a:pPr algn="ctr"/>
+              <a:r>
+                <a:rPr lang="en-US" b="1" dirty="0">
+                  <a:solidFill>
+                    <a:schemeClr val="bg1"/>
+                  </a:solidFill>
+                  <a:latin typeface="Tahoma" panose="020B0604030504040204" pitchFamily="34" charset="0"/>
+                  <a:ea typeface="Tahoma" panose="020B0604030504040204" pitchFamily="34" charset="0"/>
+                  <a:cs typeface="Tahoma" panose="020B0604030504040204" pitchFamily="34" charset="0"/>
+                </a:rPr>
+                <a:t>School District ABC</a:t>
+              </a:r>
+            </a:p>
+          </p:txBody>
+        </p:sp>
+        <p:sp>
+          <p:nvSpPr>
+            <p:cNvPr id="16" name="Rectangle 15">
+              <a:extLst>
+                <a:ext uri="{FF2B5EF4-FFF2-40B4-BE49-F238E27FC236}">
+                  <a16:creationId xmlns:a16="http://schemas.microsoft.com/office/drawing/2014/main" id="{E81323F7-224C-B846-9A2F-F6580D0DA467}"/>
+                </a:ext>
+              </a:extLst>
+            </p:cNvPr>
+            <p:cNvSpPr/>
+            <p:nvPr/>
+          </p:nvSpPr>
+          <p:spPr>
+            <a:xfrm>
+              <a:off x="4514403" y="10964727"/>
+              <a:ext cx="1894413" cy="950912"/>
+            </a:xfrm>
+            <a:prstGeom prst="rect">
+              <a:avLst/>
+            </a:prstGeom>
+            <a:solidFill>
+              <a:schemeClr val="bg1">
+                <a:lumMod val="85000"/>
+              </a:schemeClr>
+            </a:solidFill>
+            <a:ln>
+              <a:noFill/>
+            </a:ln>
+            <a:effectLst/>
+          </p:spPr>
+          <p:style>
+            <a:lnRef idx="2">
+              <a:schemeClr val="accent1">
+                <a:shade val="50000"/>
+              </a:schemeClr>
+            </a:lnRef>
+            <a:fillRef idx="1">
+              <a:schemeClr val="accent1"/>
+            </a:fillRef>
+            <a:effectRef idx="0">
+              <a:schemeClr val="accent1"/>
+            </a:effectRef>
+            <a:fontRef idx="minor">
+              <a:schemeClr val="lt1"/>
+            </a:fontRef>
+          </p:style>
+          <p:txBody>
+            <a:bodyPr lIns="0" rtlCol="0" anchor="ctr"/>
+            <a:lstStyle/>
+            <a:p>
+              <a:pPr algn="ctr"/>
+              <a:r>
+                <a:rPr lang="en-US" dirty="0">
+                  <a:solidFill>
+                    <a:schemeClr val="tx1"/>
+                  </a:solidFill>
+                  <a:latin typeface="Tahoma" panose="020B0604030504040204" pitchFamily="34" charset="0"/>
+                  <a:ea typeface="Tahoma" panose="020B0604030504040204" pitchFamily="34" charset="0"/>
+                  <a:cs typeface="Tahoma" panose="020B0604030504040204" pitchFamily="34" charset="0"/>
+                </a:rPr>
+                <a:t>5,000 + 7,000 + 6,000 =</a:t>
+              </a:r>
+            </a:p>
+            <a:p>
+              <a:pPr algn="ctr"/>
+              <a:r>
+                <a:rPr lang="en-US" b="1" dirty="0">
+                  <a:solidFill>
+                    <a:schemeClr val="tx1"/>
+                  </a:solidFill>
+                  <a:latin typeface="Tahoma" panose="020B0604030504040204" pitchFamily="34" charset="0"/>
+                  <a:ea typeface="Tahoma" panose="020B0604030504040204" pitchFamily="34" charset="0"/>
+                  <a:cs typeface="Tahoma" panose="020B0604030504040204" pitchFamily="34" charset="0"/>
+                </a:rPr>
+                <a:t>$18,000</a:t>
+              </a:r>
+            </a:p>
+          </p:txBody>
+        </p:sp>
+        <p:sp>
+          <p:nvSpPr>
+            <p:cNvPr id="17" name="Rectangle 16">
+              <a:extLst>
+                <a:ext uri="{FF2B5EF4-FFF2-40B4-BE49-F238E27FC236}">
+                  <a16:creationId xmlns:a16="http://schemas.microsoft.com/office/drawing/2014/main" id="{82757537-4835-E24E-9FD3-B4E93D4D4739}"/>
+                </a:ext>
+              </a:extLst>
+            </p:cNvPr>
+            <p:cNvSpPr/>
+            <p:nvPr/>
+          </p:nvSpPr>
+          <p:spPr>
+            <a:xfrm>
+              <a:off x="6479564" y="10964727"/>
+              <a:ext cx="1894413" cy="950912"/>
+            </a:xfrm>
+            <a:prstGeom prst="rect">
+              <a:avLst/>
+            </a:prstGeom>
+            <a:solidFill>
+              <a:schemeClr val="bg1">
+                <a:lumMod val="85000"/>
+              </a:schemeClr>
+            </a:solidFill>
+            <a:ln>
+              <a:noFill/>
+            </a:ln>
+            <a:effectLst/>
+          </p:spPr>
+          <p:style>
+            <a:lnRef idx="2">
+              <a:schemeClr val="accent1">
+                <a:shade val="50000"/>
+              </a:schemeClr>
+            </a:lnRef>
+            <a:fillRef idx="1">
+              <a:schemeClr val="accent1"/>
+            </a:fillRef>
+            <a:effectRef idx="0">
+              <a:schemeClr val="accent1"/>
+            </a:effectRef>
+            <a:fontRef idx="minor">
+              <a:schemeClr val="lt1"/>
+            </a:fontRef>
+          </p:style>
+          <p:txBody>
+            <a:bodyPr lIns="0" rtlCol="0" anchor="ctr"/>
+            <a:lstStyle/>
+            <a:p>
+              <a:pPr algn="ctr"/>
+              <a:r>
+                <a:rPr lang="en-US" dirty="0">
+                  <a:solidFill>
+                    <a:schemeClr val="tx1"/>
+                  </a:solidFill>
+                  <a:latin typeface="Tahoma" panose="020B0604030504040204" pitchFamily="34" charset="0"/>
+                  <a:ea typeface="Tahoma" panose="020B0604030504040204" pitchFamily="34" charset="0"/>
+                  <a:cs typeface="Tahoma" panose="020B0604030504040204" pitchFamily="34" charset="0"/>
+                </a:rPr>
+                <a:t>30 + 20 + 35 = </a:t>
+              </a:r>
+              <a:r>
+                <a:rPr lang="en-US" b="1" dirty="0">
+                  <a:solidFill>
+                    <a:schemeClr val="tx1"/>
+                  </a:solidFill>
+                  <a:latin typeface="Tahoma" panose="020B0604030504040204" pitchFamily="34" charset="0"/>
+                  <a:ea typeface="Tahoma" panose="020B0604030504040204" pitchFamily="34" charset="0"/>
+                  <a:cs typeface="Tahoma" panose="020B0604030504040204" pitchFamily="34" charset="0"/>
+                </a:rPr>
+                <a:t>85</a:t>
+              </a:r>
+            </a:p>
+          </p:txBody>
+        </p:sp>
+        <p:sp>
+          <p:nvSpPr>
+            <p:cNvPr id="18" name="Rectangle 17">
+              <a:extLst>
+                <a:ext uri="{FF2B5EF4-FFF2-40B4-BE49-F238E27FC236}">
+                  <a16:creationId xmlns:a16="http://schemas.microsoft.com/office/drawing/2014/main" id="{1A180C30-2BDB-F549-B69E-EC0A1A6BB933}"/>
+                </a:ext>
+              </a:extLst>
+            </p:cNvPr>
+            <p:cNvSpPr/>
+            <p:nvPr/>
+          </p:nvSpPr>
+          <p:spPr>
+            <a:xfrm>
+              <a:off x="2405588" y="10782456"/>
+              <a:ext cx="6112042" cy="1315453"/>
+            </a:xfrm>
+            <a:prstGeom prst="rect">
+              <a:avLst/>
+            </a:prstGeom>
+            <a:noFill/>
+            <a:ln w="38100">
+              <a:solidFill>
+                <a:schemeClr val="tx1"/>
+              </a:solidFill>
+              <a:prstDash val="sysDash"/>
+            </a:ln>
+          </p:spPr>
+          <p:style>
+            <a:lnRef idx="2">
+              <a:schemeClr val="accent1">
+                <a:shade val="50000"/>
+              </a:schemeClr>
+            </a:lnRef>
+            <a:fillRef idx="1">
+              <a:schemeClr val="accent1"/>
+            </a:fillRef>
+            <a:effectRef idx="0">
+              <a:schemeClr val="accent1"/>
+            </a:effectRef>
+            <a:fontRef idx="minor">
+              <a:schemeClr val="lt1"/>
+            </a:fontRef>
+          </p:style>
+          <p:txBody>
+            <a:bodyPr rtlCol="0" anchor="ctr"/>
+            <a:lstStyle/>
+            <a:p>
+              <a:pPr algn="ctr"/>
+              <a:endParaRPr lang="en-US"/>
+            </a:p>
+          </p:txBody>
+        </p:sp>
+      </p:grpSp>
+    </p:spTree>
+    <p:extLst>
+      <p:ext uri="{BB962C8B-B14F-4D97-AF65-F5344CB8AC3E}">
+        <p14:creationId xmlns:p14="http://schemas.microsoft.com/office/powerpoint/2010/main" val="1745001328"/>
+      </p:ext>
+    </p:extLst>
+  </p:cSld>
+  <p:clrMapOvr>
+    <a:masterClrMapping/>
+  </p:clrMapOvr>
+</p:sld>
+</file>
+
+<file path=ppt/slides/slide6.xml><?xml version="1.0" encoding="utf-8"?>
+<p:sld xmlns:a="http://schemas.openxmlformats.org/drawingml/2006/main" xmlns:r="http://schemas.openxmlformats.org/officeDocument/2006/relationships" xmlns:p="http://schemas.openxmlformats.org/presentationml/2006/main">
+  <p:cSld>
+    <p:spTree>
+      <p:nvGrpSpPr>
+        <p:cNvPr id="1" name=""/>
+        <p:cNvGrpSpPr/>
+        <p:nvPr/>
+      </p:nvGrpSpPr>
+      <p:grpSpPr>
+        <a:xfrm>
+          <a:off x="0" y="0"/>
+          <a:ext cx="0" cy="0"/>
+          <a:chOff x="0" y="0"/>
+          <a:chExt cx="0" cy="0"/>
+        </a:xfrm>
+      </p:grpSpPr>
+      <p:graphicFrame>
+        <p:nvGraphicFramePr>
+          <p:cNvPr id="28" name="Table 27">
+            <a:extLst>
+              <a:ext uri="{FF2B5EF4-FFF2-40B4-BE49-F238E27FC236}">
+                <a16:creationId xmlns:a16="http://schemas.microsoft.com/office/drawing/2014/main" id="{C777867A-9314-524C-ACFC-E6BE0CE13A64}"/>
+              </a:ext>
+            </a:extLst>
+          </p:cNvPr>
+          <p:cNvGraphicFramePr>
+            <a:graphicFrameLocks noGrp="1"/>
+          </p:cNvGraphicFramePr>
+          <p:nvPr>
+            <p:extLst>
+              <p:ext uri="{D42A27DB-BD31-4B8C-83A1-F6EECF244321}">
+                <p14:modId xmlns:p14="http://schemas.microsoft.com/office/powerpoint/2010/main" val="2782517179"/>
+              </p:ext>
+            </p:extLst>
+          </p:nvPr>
+        </p:nvGraphicFramePr>
+        <p:xfrm>
+          <a:off x="716550" y="763782"/>
+          <a:ext cx="4946313" cy="1752600"/>
+        </p:xfrm>
+        <a:graphic>
+          <a:graphicData uri="http://schemas.openxmlformats.org/drawingml/2006/table">
+            <a:tbl>
+              <a:tblPr firstRow="1" bandRow="1">
+                <a:tableStyleId>{5C22544A-7EE6-4342-B048-85BDC9FD1C3A}</a:tableStyleId>
+              </a:tblPr>
+              <a:tblGrid>
+                <a:gridCol w="1023281">
+                  <a:extLst>
+                    <a:ext uri="{9D8B030D-6E8A-4147-A177-3AD203B41FA5}">
+                      <a16:colId xmlns:a16="http://schemas.microsoft.com/office/drawing/2014/main" val="3258878702"/>
+                    </a:ext>
+                  </a:extLst>
+                </a:gridCol>
+                <a:gridCol w="1769799">
+                  <a:extLst>
+                    <a:ext uri="{9D8B030D-6E8A-4147-A177-3AD203B41FA5}">
+                      <a16:colId xmlns:a16="http://schemas.microsoft.com/office/drawing/2014/main" val="665456908"/>
+                    </a:ext>
+                  </a:extLst>
+                </a:gridCol>
+                <a:gridCol w="2153233">
+                  <a:extLst>
+                    <a:ext uri="{9D8B030D-6E8A-4147-A177-3AD203B41FA5}">
+                      <a16:colId xmlns:a16="http://schemas.microsoft.com/office/drawing/2014/main" val="4234746694"/>
+                    </a:ext>
+                  </a:extLst>
+                </a:gridCol>
+              </a:tblGrid>
+              <a:tr h="370840">
+                <a:tc>
+                  <a:txBody>
+                    <a:bodyPr/>
+                    <a:lstStyle/>
+                    <a:p>
+                      <a:pPr algn="ctr"/>
+                      <a:r>
+                        <a:rPr lang="en-US" sz="1800" b="1" i="0" dirty="0">
+                          <a:latin typeface="Tahoma" panose="020B0604030504040204" pitchFamily="34" charset="0"/>
+                          <a:ea typeface="Tahoma" panose="020B0604030504040204" pitchFamily="34" charset="0"/>
+                          <a:cs typeface="Tahoma" panose="020B0604030504040204" pitchFamily="34" charset="0"/>
+                        </a:rPr>
+                        <a:t>LEAID</a:t>
+                      </a:r>
+                    </a:p>
+                  </a:txBody>
+                  <a:tcPr anchor="ctr">
+                    <a:solidFill>
+                      <a:srgbClr val="002060"/>
+                    </a:solidFill>
+                  </a:tcPr>
+                </a:tc>
+                <a:tc>
+                  <a:txBody>
+                    <a:bodyPr/>
+                    <a:lstStyle/>
+                    <a:p>
+                      <a:pPr algn="ctr"/>
+                      <a:r>
+                        <a:rPr lang="en-US" sz="1800" b="1" i="0" dirty="0">
+                          <a:latin typeface="Tahoma" panose="020B0604030504040204" pitchFamily="34" charset="0"/>
+                          <a:ea typeface="Tahoma" panose="020B0604030504040204" pitchFamily="34" charset="0"/>
+                          <a:cs typeface="Tahoma" panose="020B0604030504040204" pitchFamily="34" charset="0"/>
+                        </a:rPr>
+                        <a:t>Total Revenue</a:t>
+                      </a:r>
+                    </a:p>
+                  </a:txBody>
+                  <a:tcPr anchor="ctr">
+                    <a:solidFill>
+                      <a:srgbClr val="002060"/>
+                    </a:solidFill>
+                  </a:tcPr>
+                </a:tc>
+                <a:tc>
+                  <a:txBody>
+                    <a:bodyPr/>
+                    <a:lstStyle/>
+                    <a:p>
+                      <a:pPr algn="ctr"/>
+                      <a:r>
+                        <a:rPr lang="en-US" sz="1800" b="1" i="0" dirty="0">
+                          <a:latin typeface="Tahoma" panose="020B0604030504040204" pitchFamily="34" charset="0"/>
+                          <a:ea typeface="Tahoma" panose="020B0604030504040204" pitchFamily="34" charset="0"/>
+                          <a:cs typeface="Tahoma" panose="020B0604030504040204" pitchFamily="34" charset="0"/>
+                        </a:rPr>
+                        <a:t>Total Expenditure</a:t>
+                      </a:r>
+                    </a:p>
+                  </a:txBody>
+                  <a:tcPr anchor="ctr">
+                    <a:solidFill>
+                      <a:srgbClr val="002060"/>
+                    </a:solidFill>
+                  </a:tcPr>
+                </a:tc>
+                <a:extLst>
+                  <a:ext uri="{0D108BD9-81ED-4DB2-BD59-A6C34878D82A}">
+                    <a16:rowId xmlns:a16="http://schemas.microsoft.com/office/drawing/2014/main" val="1117541052"/>
+                  </a:ext>
+                </a:extLst>
+              </a:tr>
+              <a:tr h="370840">
+                <a:tc>
+                  <a:txBody>
+                    <a:bodyPr/>
+                    <a:lstStyle/>
+                    <a:p>
+                      <a:pPr algn="ctr"/>
+                      <a:r>
+                        <a:rPr lang="en-US" sz="1800" b="0" i="0" dirty="0">
+                          <a:latin typeface="Tahoma" panose="020B0604030504040204" pitchFamily="34" charset="0"/>
+                          <a:ea typeface="Tahoma" panose="020B0604030504040204" pitchFamily="34" charset="0"/>
+                          <a:cs typeface="Tahoma" panose="020B0604030504040204" pitchFamily="34" charset="0"/>
+                        </a:rPr>
+                        <a:t>000001</a:t>
+                      </a:r>
+                    </a:p>
+                  </a:txBody>
+                  <a:tcPr anchor="ctr">
+                    <a:solidFill>
+                      <a:schemeClr val="bg1">
+                        <a:lumMod val="85000"/>
+                      </a:schemeClr>
+                    </a:solidFill>
+                  </a:tcPr>
+                </a:tc>
+                <a:tc>
+                  <a:txBody>
+                    <a:bodyPr/>
+                    <a:lstStyle/>
+                    <a:p>
+                      <a:pPr algn="ctr"/>
+                      <a:r>
+                        <a:rPr lang="en-US" sz="1800" b="0" i="0" dirty="0">
+                          <a:latin typeface="Tahoma" panose="020B0604030504040204" pitchFamily="34" charset="0"/>
+                          <a:ea typeface="Tahoma" panose="020B0604030504040204" pitchFamily="34" charset="0"/>
+                          <a:cs typeface="Tahoma" panose="020B0604030504040204" pitchFamily="34" charset="0"/>
+                        </a:rPr>
+                        <a:t>$7,000</a:t>
+                      </a:r>
+                    </a:p>
+                  </a:txBody>
+                  <a:tcPr anchor="ctr">
+                    <a:solidFill>
+                      <a:schemeClr val="bg1">
+                        <a:lumMod val="85000"/>
+                      </a:schemeClr>
+                    </a:solidFill>
+                  </a:tcPr>
+                </a:tc>
+                <a:tc>
+                  <a:txBody>
+                    <a:bodyPr/>
+                    <a:lstStyle/>
+                    <a:p>
+                      <a:pPr algn="ctr"/>
+                      <a:r>
+                        <a:rPr lang="en-US" sz="1800" b="0" i="0" dirty="0">
+                          <a:latin typeface="Tahoma" panose="020B0604030504040204" pitchFamily="34" charset="0"/>
+                          <a:ea typeface="Tahoma" panose="020B0604030504040204" pitchFamily="34" charset="0"/>
+                          <a:cs typeface="Tahoma" panose="020B0604030504040204" pitchFamily="34" charset="0"/>
+                        </a:rPr>
+                        <a:t>$3,000</a:t>
+                      </a:r>
+                    </a:p>
+                  </a:txBody>
+                  <a:tcPr anchor="ctr">
+                    <a:solidFill>
+                      <a:schemeClr val="bg1">
+                        <a:lumMod val="85000"/>
+                      </a:schemeClr>
+                    </a:solidFill>
+                  </a:tcPr>
+                </a:tc>
+                <a:extLst>
+                  <a:ext uri="{0D108BD9-81ED-4DB2-BD59-A6C34878D82A}">
+                    <a16:rowId xmlns:a16="http://schemas.microsoft.com/office/drawing/2014/main" val="2040728718"/>
+                  </a:ext>
+                </a:extLst>
+              </a:tr>
+              <a:tr h="370840">
+                <a:tc>
+                  <a:txBody>
+                    <a:bodyPr/>
+                    <a:lstStyle/>
+                    <a:p>
+                      <a:pPr algn="ctr"/>
+                      <a:r>
+                        <a:rPr lang="en-US" sz="1800" b="0" i="0" dirty="0">
+                          <a:latin typeface="Tahoma" panose="020B0604030504040204" pitchFamily="34" charset="0"/>
+                          <a:ea typeface="Tahoma" panose="020B0604030504040204" pitchFamily="34" charset="0"/>
+                          <a:cs typeface="Tahoma" panose="020B0604030504040204" pitchFamily="34" charset="0"/>
+                        </a:rPr>
+                        <a:t>000003</a:t>
+                      </a:r>
+                    </a:p>
+                  </a:txBody>
+                  <a:tcPr anchor="ctr">
+                    <a:solidFill>
+                      <a:schemeClr val="bg1">
+                        <a:lumMod val="85000"/>
+                      </a:schemeClr>
+                    </a:solidFill>
+                  </a:tcPr>
+                </a:tc>
+                <a:tc>
+                  <a:txBody>
+                    <a:bodyPr/>
+                    <a:lstStyle/>
+                    <a:p>
+                      <a:pPr algn="ctr"/>
+                      <a:r>
+                        <a:rPr lang="en-US" sz="1800" b="0" i="0" dirty="0">
+                          <a:latin typeface="Tahoma" panose="020B0604030504040204" pitchFamily="34" charset="0"/>
+                          <a:ea typeface="Tahoma" panose="020B0604030504040204" pitchFamily="34" charset="0"/>
+                          <a:cs typeface="Tahoma" panose="020B0604030504040204" pitchFamily="34" charset="0"/>
+                        </a:rPr>
+                        <a:t>$5,000</a:t>
+                      </a:r>
+                    </a:p>
+                  </a:txBody>
+                  <a:tcPr anchor="ctr">
+                    <a:solidFill>
+                      <a:schemeClr val="bg1">
+                        <a:lumMod val="85000"/>
+                      </a:schemeClr>
+                    </a:solidFill>
+                  </a:tcPr>
+                </a:tc>
+                <a:tc>
+                  <a:txBody>
+                    <a:bodyPr/>
+                    <a:lstStyle/>
+                    <a:p>
+                      <a:pPr algn="ctr"/>
+                      <a:r>
+                        <a:rPr lang="en-US" sz="1800" b="0" i="0" dirty="0">
+                          <a:latin typeface="Tahoma" panose="020B0604030504040204" pitchFamily="34" charset="0"/>
+                          <a:ea typeface="Tahoma" panose="020B0604030504040204" pitchFamily="34" charset="0"/>
+                          <a:cs typeface="Tahoma" panose="020B0604030504040204" pitchFamily="34" charset="0"/>
+                        </a:rPr>
+                        <a:t>$7,000</a:t>
+                      </a:r>
+                    </a:p>
+                  </a:txBody>
+                  <a:tcPr anchor="ctr">
+                    <a:solidFill>
+                      <a:schemeClr val="bg1">
+                        <a:lumMod val="85000"/>
+                      </a:schemeClr>
+                    </a:solidFill>
+                  </a:tcPr>
+                </a:tc>
+                <a:extLst>
+                  <a:ext uri="{0D108BD9-81ED-4DB2-BD59-A6C34878D82A}">
+                    <a16:rowId xmlns:a16="http://schemas.microsoft.com/office/drawing/2014/main" val="2498836657"/>
+                  </a:ext>
+                </a:extLst>
+              </a:tr>
+              <a:tr h="370840">
+                <a:tc>
+                  <a:txBody>
+                    <a:bodyPr/>
+                    <a:lstStyle/>
+                    <a:p>
+                      <a:pPr algn="ctr"/>
+                      <a:r>
+                        <a:rPr lang="en-US" sz="1800" b="0" i="0" dirty="0">
+                          <a:latin typeface="Tahoma" panose="020B0604030504040204" pitchFamily="34" charset="0"/>
+                          <a:ea typeface="Tahoma" panose="020B0604030504040204" pitchFamily="34" charset="0"/>
+                          <a:cs typeface="Tahoma" panose="020B0604030504040204" pitchFamily="34" charset="0"/>
+                        </a:rPr>
+                        <a:t>000004</a:t>
+                      </a:r>
+                    </a:p>
+                  </a:txBody>
+                  <a:tcPr anchor="ctr">
+                    <a:solidFill>
+                      <a:schemeClr val="bg1">
+                        <a:lumMod val="85000"/>
+                      </a:schemeClr>
+                    </a:solidFill>
+                  </a:tcPr>
+                </a:tc>
+                <a:tc>
+                  <a:txBody>
+                    <a:bodyPr/>
+                    <a:lstStyle/>
+                    <a:p>
+                      <a:pPr algn="ctr"/>
+                      <a:r>
+                        <a:rPr lang="en-US" sz="1800" b="0" i="0" dirty="0">
+                          <a:latin typeface="Tahoma" panose="020B0604030504040204" pitchFamily="34" charset="0"/>
+                          <a:ea typeface="Tahoma" panose="020B0604030504040204" pitchFamily="34" charset="0"/>
+                          <a:cs typeface="Tahoma" panose="020B0604030504040204" pitchFamily="34" charset="0"/>
+                        </a:rPr>
+                        <a:t>$2,000</a:t>
+                      </a:r>
+                    </a:p>
+                  </a:txBody>
+                  <a:tcPr anchor="ctr">
+                    <a:solidFill>
+                      <a:schemeClr val="bg1">
+                        <a:lumMod val="85000"/>
+                      </a:schemeClr>
+                    </a:solidFill>
+                  </a:tcPr>
+                </a:tc>
+                <a:tc>
+                  <a:txBody>
+                    <a:bodyPr/>
+                    <a:lstStyle/>
+                    <a:p>
+                      <a:pPr algn="ctr"/>
+                      <a:r>
+                        <a:rPr lang="en-US" sz="1800" b="0" i="0" dirty="0">
+                          <a:latin typeface="Tahoma" panose="020B0604030504040204" pitchFamily="34" charset="0"/>
+                          <a:ea typeface="Tahoma" panose="020B0604030504040204" pitchFamily="34" charset="0"/>
+                          <a:cs typeface="Tahoma" panose="020B0604030504040204" pitchFamily="34" charset="0"/>
+                        </a:rPr>
+                        <a:t>$2,000</a:t>
+                      </a:r>
+                    </a:p>
+                  </a:txBody>
+                  <a:tcPr anchor="ctr">
+                    <a:solidFill>
+                      <a:schemeClr val="bg1">
+                        <a:lumMod val="85000"/>
+                      </a:schemeClr>
+                    </a:solidFill>
+                  </a:tcPr>
+                </a:tc>
+                <a:extLst>
+                  <a:ext uri="{0D108BD9-81ED-4DB2-BD59-A6C34878D82A}">
+                    <a16:rowId xmlns:a16="http://schemas.microsoft.com/office/drawing/2014/main" val="2371931699"/>
+                  </a:ext>
+                </a:extLst>
+              </a:tr>
+            </a:tbl>
+          </a:graphicData>
+        </a:graphic>
+      </p:graphicFrame>
+      <p:graphicFrame>
+        <p:nvGraphicFramePr>
+          <p:cNvPr id="29" name="Table 28">
+            <a:extLst>
+              <a:ext uri="{FF2B5EF4-FFF2-40B4-BE49-F238E27FC236}">
+                <a16:creationId xmlns:a16="http://schemas.microsoft.com/office/drawing/2014/main" id="{1A30279E-5336-4A45-B17F-FF442DA4EDC5}"/>
+              </a:ext>
+            </a:extLst>
+          </p:cNvPr>
+          <p:cNvGraphicFramePr>
+            <a:graphicFrameLocks noGrp="1"/>
+          </p:cNvGraphicFramePr>
+          <p:nvPr>
+            <p:extLst>
+              <p:ext uri="{D42A27DB-BD31-4B8C-83A1-F6EECF244321}">
+                <p14:modId xmlns:p14="http://schemas.microsoft.com/office/powerpoint/2010/main" val="614485538"/>
+              </p:ext>
+            </p:extLst>
+          </p:nvPr>
+        </p:nvGraphicFramePr>
+        <p:xfrm>
+          <a:off x="6034508" y="763782"/>
+          <a:ext cx="4946313" cy="1752600"/>
+        </p:xfrm>
+        <a:graphic>
+          <a:graphicData uri="http://schemas.openxmlformats.org/drawingml/2006/table">
+            <a:tbl>
+              <a:tblPr firstRow="1" bandRow="1">
+                <a:tableStyleId>{5C22544A-7EE6-4342-B048-85BDC9FD1C3A}</a:tableStyleId>
+              </a:tblPr>
+              <a:tblGrid>
+                <a:gridCol w="1023281">
+                  <a:extLst>
+                    <a:ext uri="{9D8B030D-6E8A-4147-A177-3AD203B41FA5}">
+                      <a16:colId xmlns:a16="http://schemas.microsoft.com/office/drawing/2014/main" val="3258878702"/>
+                    </a:ext>
+                  </a:extLst>
+                </a:gridCol>
+                <a:gridCol w="1769799">
+                  <a:extLst>
+                    <a:ext uri="{9D8B030D-6E8A-4147-A177-3AD203B41FA5}">
+                      <a16:colId xmlns:a16="http://schemas.microsoft.com/office/drawing/2014/main" val="665456908"/>
+                    </a:ext>
+                  </a:extLst>
+                </a:gridCol>
+                <a:gridCol w="2153233">
+                  <a:extLst>
+                    <a:ext uri="{9D8B030D-6E8A-4147-A177-3AD203B41FA5}">
+                      <a16:colId xmlns:a16="http://schemas.microsoft.com/office/drawing/2014/main" val="4234746694"/>
+                    </a:ext>
+                  </a:extLst>
+                </a:gridCol>
+              </a:tblGrid>
+              <a:tr h="370840">
+                <a:tc>
+                  <a:txBody>
+                    <a:bodyPr/>
+                    <a:lstStyle/>
+                    <a:p>
+                      <a:pPr algn="ctr"/>
+                      <a:r>
+                        <a:rPr lang="en-US" sz="1800" b="1" i="0" dirty="0">
+                          <a:latin typeface="Tahoma" panose="020B0604030504040204" pitchFamily="34" charset="0"/>
+                          <a:ea typeface="Tahoma" panose="020B0604030504040204" pitchFamily="34" charset="0"/>
+                          <a:cs typeface="Tahoma" panose="020B0604030504040204" pitchFamily="34" charset="0"/>
+                        </a:rPr>
+                        <a:t>LEAID</a:t>
+                      </a:r>
+                    </a:p>
+                  </a:txBody>
+                  <a:tcPr anchor="ctr">
+                    <a:solidFill>
+                      <a:srgbClr val="002060"/>
+                    </a:solidFill>
+                  </a:tcPr>
+                </a:tc>
+                <a:tc>
+                  <a:txBody>
+                    <a:bodyPr/>
+                    <a:lstStyle/>
+                    <a:p>
+                      <a:pPr algn="ctr"/>
+                      <a:r>
+                        <a:rPr lang="en-US" sz="1800" b="1" i="0" dirty="0">
+                          <a:latin typeface="Tahoma" panose="020B0604030504040204" pitchFamily="34" charset="0"/>
+                          <a:ea typeface="Tahoma" panose="020B0604030504040204" pitchFamily="34" charset="0"/>
+                          <a:cs typeface="Tahoma" panose="020B0604030504040204" pitchFamily="34" charset="0"/>
+                        </a:rPr>
+                        <a:t>Total Students</a:t>
+                      </a:r>
+                    </a:p>
+                  </a:txBody>
+                  <a:tcPr anchor="ctr">
+                    <a:solidFill>
+                      <a:srgbClr val="002060"/>
+                    </a:solidFill>
+                  </a:tcPr>
+                </a:tc>
+                <a:tc>
+                  <a:txBody>
+                    <a:bodyPr/>
+                    <a:lstStyle/>
+                    <a:p>
+                      <a:pPr algn="ctr"/>
+                      <a:r>
+                        <a:rPr lang="en-US" sz="1800" b="1" i="0" dirty="0">
+                          <a:latin typeface="Tahoma" panose="020B0604030504040204" pitchFamily="34" charset="0"/>
+                          <a:ea typeface="Tahoma" panose="020B0604030504040204" pitchFamily="34" charset="0"/>
+                          <a:cs typeface="Tahoma" panose="020B0604030504040204" pitchFamily="34" charset="0"/>
+                        </a:rPr>
+                        <a:t>Total Teachers</a:t>
+                      </a:r>
+                    </a:p>
+                  </a:txBody>
+                  <a:tcPr anchor="ctr">
+                    <a:solidFill>
+                      <a:srgbClr val="002060"/>
+                    </a:solidFill>
+                  </a:tcPr>
+                </a:tc>
+                <a:extLst>
+                  <a:ext uri="{0D108BD9-81ED-4DB2-BD59-A6C34878D82A}">
+                    <a16:rowId xmlns:a16="http://schemas.microsoft.com/office/drawing/2014/main" val="1117541052"/>
+                  </a:ext>
+                </a:extLst>
+              </a:tr>
+              <a:tr h="370840">
+                <a:tc>
+                  <a:txBody>
+                    <a:bodyPr/>
+                    <a:lstStyle/>
+                    <a:p>
+                      <a:pPr algn="ctr"/>
+                      <a:r>
+                        <a:rPr lang="en-US" sz="1800" b="0" i="0" dirty="0">
+                          <a:latin typeface="Tahoma" panose="020B0604030504040204" pitchFamily="34" charset="0"/>
+                          <a:ea typeface="Tahoma" panose="020B0604030504040204" pitchFamily="34" charset="0"/>
+                          <a:cs typeface="Tahoma" panose="020B0604030504040204" pitchFamily="34" charset="0"/>
+                        </a:rPr>
+                        <a:t>000001</a:t>
+                      </a:r>
+                    </a:p>
+                  </a:txBody>
+                  <a:tcPr anchor="ctr">
+                    <a:solidFill>
+                      <a:schemeClr val="bg1">
+                        <a:lumMod val="85000"/>
+                      </a:schemeClr>
+                    </a:solidFill>
+                  </a:tcPr>
+                </a:tc>
+                <a:tc>
+                  <a:txBody>
+                    <a:bodyPr/>
+                    <a:lstStyle/>
+                    <a:p>
+                      <a:pPr algn="ctr"/>
+                      <a:r>
+                        <a:rPr lang="en-US" sz="1800" b="0" i="0" dirty="0">
+                          <a:latin typeface="Tahoma" panose="020B0604030504040204" pitchFamily="34" charset="0"/>
+                          <a:ea typeface="Tahoma" panose="020B0604030504040204" pitchFamily="34" charset="0"/>
+                          <a:cs typeface="Tahoma" panose="020B0604030504040204" pitchFamily="34" charset="0"/>
+                        </a:rPr>
+                        <a:t>35</a:t>
+                      </a:r>
+                    </a:p>
+                  </a:txBody>
+                  <a:tcPr anchor="ctr">
+                    <a:solidFill>
+                      <a:schemeClr val="bg1">
+                        <a:lumMod val="85000"/>
+                      </a:schemeClr>
+                    </a:solidFill>
+                  </a:tcPr>
+                </a:tc>
+                <a:tc>
+                  <a:txBody>
+                    <a:bodyPr/>
+                    <a:lstStyle/>
+                    <a:p>
+                      <a:pPr algn="ctr"/>
+                      <a:r>
+                        <a:rPr lang="en-US" sz="1800" b="0" i="0" dirty="0">
+                          <a:latin typeface="Tahoma" panose="020B0604030504040204" pitchFamily="34" charset="0"/>
+                          <a:ea typeface="Tahoma" panose="020B0604030504040204" pitchFamily="34" charset="0"/>
+                          <a:cs typeface="Tahoma" panose="020B0604030504040204" pitchFamily="34" charset="0"/>
+                        </a:rPr>
+                        <a:t>3</a:t>
+                      </a:r>
+                    </a:p>
+                  </a:txBody>
+                  <a:tcPr anchor="ctr">
+                    <a:solidFill>
+                      <a:schemeClr val="bg1">
+                        <a:lumMod val="85000"/>
+                      </a:schemeClr>
+                    </a:solidFill>
+                  </a:tcPr>
+                </a:tc>
+                <a:extLst>
+                  <a:ext uri="{0D108BD9-81ED-4DB2-BD59-A6C34878D82A}">
+                    <a16:rowId xmlns:a16="http://schemas.microsoft.com/office/drawing/2014/main" val="2040728718"/>
+                  </a:ext>
+                </a:extLst>
+              </a:tr>
+              <a:tr h="370840">
+                <a:tc>
+                  <a:txBody>
+                    <a:bodyPr/>
+                    <a:lstStyle/>
+                    <a:p>
+                      <a:pPr algn="ctr"/>
+                      <a:r>
+                        <a:rPr lang="en-US" sz="1800" b="0" i="0" dirty="0">
+                          <a:latin typeface="Tahoma" panose="020B0604030504040204" pitchFamily="34" charset="0"/>
+                          <a:ea typeface="Tahoma" panose="020B0604030504040204" pitchFamily="34" charset="0"/>
+                          <a:cs typeface="Tahoma" panose="020B0604030504040204" pitchFamily="34" charset="0"/>
+                        </a:rPr>
+                        <a:t>000002</a:t>
+                      </a:r>
+                    </a:p>
+                  </a:txBody>
+                  <a:tcPr anchor="ctr">
+                    <a:solidFill>
+                      <a:schemeClr val="bg1">
+                        <a:lumMod val="85000"/>
+                      </a:schemeClr>
+                    </a:solidFill>
+                  </a:tcPr>
+                </a:tc>
+                <a:tc>
+                  <a:txBody>
+                    <a:bodyPr/>
+                    <a:lstStyle/>
+                    <a:p>
+                      <a:pPr algn="ctr"/>
+                      <a:r>
+                        <a:rPr lang="en-US" sz="1800" b="0" i="0" dirty="0">
+                          <a:latin typeface="Tahoma" panose="020B0604030504040204" pitchFamily="34" charset="0"/>
+                          <a:ea typeface="Tahoma" panose="020B0604030504040204" pitchFamily="34" charset="0"/>
+                          <a:cs typeface="Tahoma" panose="020B0604030504040204" pitchFamily="34" charset="0"/>
+                        </a:rPr>
+                        <a:t>20</a:t>
+                      </a:r>
+                    </a:p>
+                  </a:txBody>
+                  <a:tcPr anchor="ctr">
+                    <a:solidFill>
+                      <a:schemeClr val="bg1">
+                        <a:lumMod val="85000"/>
+                      </a:schemeClr>
+                    </a:solidFill>
+                  </a:tcPr>
+                </a:tc>
+                <a:tc>
+                  <a:txBody>
+                    <a:bodyPr/>
+                    <a:lstStyle/>
+                    <a:p>
+                      <a:pPr algn="ctr"/>
+                      <a:r>
+                        <a:rPr lang="en-US" sz="1800" b="0" i="0" dirty="0">
+                          <a:latin typeface="Tahoma" panose="020B0604030504040204" pitchFamily="34" charset="0"/>
+                          <a:ea typeface="Tahoma" panose="020B0604030504040204" pitchFamily="34" charset="0"/>
+                          <a:cs typeface="Tahoma" panose="020B0604030504040204" pitchFamily="34" charset="0"/>
+                        </a:rPr>
+                        <a:t>5</a:t>
+                      </a:r>
+                    </a:p>
+                  </a:txBody>
+                  <a:tcPr anchor="ctr">
+                    <a:solidFill>
+                      <a:schemeClr val="bg1">
+                        <a:lumMod val="85000"/>
+                      </a:schemeClr>
+                    </a:solidFill>
+                  </a:tcPr>
+                </a:tc>
+                <a:extLst>
+                  <a:ext uri="{0D108BD9-81ED-4DB2-BD59-A6C34878D82A}">
+                    <a16:rowId xmlns:a16="http://schemas.microsoft.com/office/drawing/2014/main" val="2498836657"/>
+                  </a:ext>
+                </a:extLst>
+              </a:tr>
+              <a:tr h="370840">
+                <a:tc>
+                  <a:txBody>
+                    <a:bodyPr/>
+                    <a:lstStyle/>
+                    <a:p>
+                      <a:pPr algn="ctr"/>
+                      <a:r>
+                        <a:rPr lang="en-US" sz="1800" b="0" i="0" dirty="0">
+                          <a:latin typeface="Tahoma" panose="020B0604030504040204" pitchFamily="34" charset="0"/>
+                          <a:ea typeface="Tahoma" panose="020B0604030504040204" pitchFamily="34" charset="0"/>
+                          <a:cs typeface="Tahoma" panose="020B0604030504040204" pitchFamily="34" charset="0"/>
+                        </a:rPr>
+                        <a:t>000004</a:t>
+                      </a:r>
+                    </a:p>
+                  </a:txBody>
+                  <a:tcPr anchor="ctr">
+                    <a:solidFill>
+                      <a:schemeClr val="bg1">
+                        <a:lumMod val="85000"/>
+                      </a:schemeClr>
+                    </a:solidFill>
+                  </a:tcPr>
+                </a:tc>
+                <a:tc>
+                  <a:txBody>
+                    <a:bodyPr/>
+                    <a:lstStyle/>
+                    <a:p>
+                      <a:pPr algn="ctr"/>
+                      <a:r>
+                        <a:rPr lang="en-US" sz="1800" b="0" i="0" dirty="0">
+                          <a:latin typeface="Tahoma" panose="020B0604030504040204" pitchFamily="34" charset="0"/>
+                          <a:ea typeface="Tahoma" panose="020B0604030504040204" pitchFamily="34" charset="0"/>
+                          <a:cs typeface="Tahoma" panose="020B0604030504040204" pitchFamily="34" charset="0"/>
+                        </a:rPr>
+                        <a:t>10</a:t>
+                      </a:r>
+                    </a:p>
+                  </a:txBody>
+                  <a:tcPr anchor="ctr">
+                    <a:solidFill>
+                      <a:schemeClr val="bg1">
+                        <a:lumMod val="85000"/>
+                      </a:schemeClr>
+                    </a:solidFill>
+                  </a:tcPr>
+                </a:tc>
+                <a:tc>
+                  <a:txBody>
+                    <a:bodyPr/>
+                    <a:lstStyle/>
+                    <a:p>
+                      <a:pPr algn="ctr"/>
+                      <a:r>
+                        <a:rPr lang="en-US" sz="1800" b="0" i="0" dirty="0">
+                          <a:latin typeface="Tahoma" panose="020B0604030504040204" pitchFamily="34" charset="0"/>
+                          <a:ea typeface="Tahoma" panose="020B0604030504040204" pitchFamily="34" charset="0"/>
+                          <a:cs typeface="Tahoma" panose="020B0604030504040204" pitchFamily="34" charset="0"/>
+                        </a:rPr>
+                        <a:t>2</a:t>
+                      </a:r>
+                    </a:p>
+                  </a:txBody>
+                  <a:tcPr anchor="ctr">
+                    <a:solidFill>
+                      <a:schemeClr val="bg1">
+                        <a:lumMod val="85000"/>
+                      </a:schemeClr>
+                    </a:solidFill>
+                  </a:tcPr>
+                </a:tc>
+                <a:extLst>
+                  <a:ext uri="{0D108BD9-81ED-4DB2-BD59-A6C34878D82A}">
+                    <a16:rowId xmlns:a16="http://schemas.microsoft.com/office/drawing/2014/main" val="2371931699"/>
+                  </a:ext>
+                </a:extLst>
+              </a:tr>
+            </a:tbl>
+          </a:graphicData>
+        </a:graphic>
+      </p:graphicFrame>
+      <p:graphicFrame>
+        <p:nvGraphicFramePr>
+          <p:cNvPr id="30" name="Table 29">
+            <a:extLst>
+              <a:ext uri="{FF2B5EF4-FFF2-40B4-BE49-F238E27FC236}">
+                <a16:creationId xmlns:a16="http://schemas.microsoft.com/office/drawing/2014/main" id="{A318BF04-B17A-DF4F-AA29-44F6012ECE1D}"/>
+              </a:ext>
+            </a:extLst>
+          </p:cNvPr>
+          <p:cNvGraphicFramePr>
+            <a:graphicFrameLocks noGrp="1"/>
+          </p:cNvGraphicFramePr>
+          <p:nvPr>
+            <p:extLst>
+              <p:ext uri="{D42A27DB-BD31-4B8C-83A1-F6EECF244321}">
+                <p14:modId xmlns:p14="http://schemas.microsoft.com/office/powerpoint/2010/main" val="3452271121"/>
+              </p:ext>
+            </p:extLst>
+          </p:nvPr>
+        </p:nvGraphicFramePr>
+        <p:xfrm>
+          <a:off x="1375613" y="3450835"/>
+          <a:ext cx="8900693" cy="2123440"/>
+        </p:xfrm>
+        <a:graphic>
+          <a:graphicData uri="http://schemas.openxmlformats.org/drawingml/2006/table">
+            <a:tbl>
+              <a:tblPr firstRow="1" bandRow="1">
+                <a:tableStyleId>{5C22544A-7EE6-4342-B048-85BDC9FD1C3A}</a:tableStyleId>
+              </a:tblPr>
+              <a:tblGrid>
+                <a:gridCol w="984343">
+                  <a:extLst>
+                    <a:ext uri="{9D8B030D-6E8A-4147-A177-3AD203B41FA5}">
+                      <a16:colId xmlns:a16="http://schemas.microsoft.com/office/drawing/2014/main" val="3258878702"/>
+                    </a:ext>
+                  </a:extLst>
+                </a:gridCol>
+                <a:gridCol w="1702456">
+                  <a:extLst>
+                    <a:ext uri="{9D8B030D-6E8A-4147-A177-3AD203B41FA5}">
+                      <a16:colId xmlns:a16="http://schemas.microsoft.com/office/drawing/2014/main" val="665456908"/>
+                    </a:ext>
+                  </a:extLst>
+                </a:gridCol>
+                <a:gridCol w="2071298">
+                  <a:extLst>
+                    <a:ext uri="{9D8B030D-6E8A-4147-A177-3AD203B41FA5}">
+                      <a16:colId xmlns:a16="http://schemas.microsoft.com/office/drawing/2014/main" val="4234746694"/>
+                    </a:ext>
+                  </a:extLst>
+                </a:gridCol>
+                <a:gridCol w="2071298">
+                  <a:extLst>
+                    <a:ext uri="{9D8B030D-6E8A-4147-A177-3AD203B41FA5}">
+                      <a16:colId xmlns:a16="http://schemas.microsoft.com/office/drawing/2014/main" val="1994791439"/>
+                    </a:ext>
+                  </a:extLst>
+                </a:gridCol>
+                <a:gridCol w="2071298">
+                  <a:extLst>
+                    <a:ext uri="{9D8B030D-6E8A-4147-A177-3AD203B41FA5}">
+                      <a16:colId xmlns:a16="http://schemas.microsoft.com/office/drawing/2014/main" val="3024196050"/>
+                    </a:ext>
+                  </a:extLst>
+                </a:gridCol>
+              </a:tblGrid>
+              <a:tr h="370840">
+                <a:tc>
+                  <a:txBody>
+                    <a:bodyPr/>
+                    <a:lstStyle/>
+                    <a:p>
+                      <a:pPr algn="ctr"/>
+                      <a:r>
+                        <a:rPr lang="en-US" sz="1800" b="1" i="0" dirty="0">
+                          <a:latin typeface="Tahoma" panose="020B0604030504040204" pitchFamily="34" charset="0"/>
+                          <a:ea typeface="Tahoma" panose="020B0604030504040204" pitchFamily="34" charset="0"/>
+                          <a:cs typeface="Tahoma" panose="020B0604030504040204" pitchFamily="34" charset="0"/>
+                        </a:rPr>
+                        <a:t>LEAID</a:t>
+                      </a:r>
+                    </a:p>
+                  </a:txBody>
+                  <a:tcPr anchor="ctr">
+                    <a:solidFill>
+                      <a:srgbClr val="002060"/>
+                    </a:solidFill>
+                  </a:tcPr>
+                </a:tc>
+                <a:tc>
+                  <a:txBody>
+                    <a:bodyPr/>
+                    <a:lstStyle/>
+                    <a:p>
+                      <a:pPr algn="ctr"/>
+                      <a:r>
+                        <a:rPr lang="en-US" sz="1800" b="1" i="0" dirty="0">
+                          <a:latin typeface="Tahoma" panose="020B0604030504040204" pitchFamily="34" charset="0"/>
+                          <a:ea typeface="Tahoma" panose="020B0604030504040204" pitchFamily="34" charset="0"/>
+                          <a:cs typeface="Tahoma" panose="020B0604030504040204" pitchFamily="34" charset="0"/>
+                        </a:rPr>
+                        <a:t>Total Revenue</a:t>
+                      </a:r>
+                    </a:p>
+                  </a:txBody>
+                  <a:tcPr anchor="ctr">
+                    <a:solidFill>
+                      <a:srgbClr val="002060"/>
+                    </a:solidFill>
+                  </a:tcPr>
+                </a:tc>
+                <a:tc>
+                  <a:txBody>
+                    <a:bodyPr/>
+                    <a:lstStyle/>
+                    <a:p>
+                      <a:pPr algn="ctr"/>
+                      <a:r>
+                        <a:rPr lang="en-US" sz="1800" b="1" i="0" dirty="0">
+                          <a:latin typeface="Tahoma" panose="020B0604030504040204" pitchFamily="34" charset="0"/>
+                          <a:ea typeface="Tahoma" panose="020B0604030504040204" pitchFamily="34" charset="0"/>
+                          <a:cs typeface="Tahoma" panose="020B0604030504040204" pitchFamily="34" charset="0"/>
+                        </a:rPr>
+                        <a:t>Total Expenditure</a:t>
+                      </a:r>
+                    </a:p>
+                  </a:txBody>
+                  <a:tcPr anchor="ctr">
+                    <a:solidFill>
+                      <a:srgbClr val="002060"/>
+                    </a:solidFill>
+                  </a:tcPr>
+                </a:tc>
+                <a:tc>
+                  <a:txBody>
+                    <a:bodyPr/>
+                    <a:lstStyle/>
+                    <a:p>
+                      <a:pPr algn="ctr"/>
+                      <a:r>
+                        <a:rPr lang="en-US" sz="1800" b="1" i="0" dirty="0">
+                          <a:latin typeface="Tahoma" panose="020B0604030504040204" pitchFamily="34" charset="0"/>
+                          <a:ea typeface="Tahoma" panose="020B0604030504040204" pitchFamily="34" charset="0"/>
+                          <a:cs typeface="Tahoma" panose="020B0604030504040204" pitchFamily="34" charset="0"/>
+                        </a:rPr>
+                        <a:t>Total Students</a:t>
+                      </a:r>
+                    </a:p>
+                  </a:txBody>
+                  <a:tcPr anchor="ctr">
+                    <a:solidFill>
+                      <a:srgbClr val="002060"/>
+                    </a:solidFill>
+                  </a:tcPr>
+                </a:tc>
+                <a:tc>
+                  <a:txBody>
+                    <a:bodyPr/>
+                    <a:lstStyle/>
+                    <a:p>
+                      <a:pPr algn="ctr"/>
+                      <a:r>
+                        <a:rPr lang="en-US" sz="1800" b="1" i="0" dirty="0">
+                          <a:latin typeface="Tahoma" panose="020B0604030504040204" pitchFamily="34" charset="0"/>
+                          <a:ea typeface="Tahoma" panose="020B0604030504040204" pitchFamily="34" charset="0"/>
+                          <a:cs typeface="Tahoma" panose="020B0604030504040204" pitchFamily="34" charset="0"/>
+                        </a:rPr>
+                        <a:t>Total Teachers</a:t>
+                      </a:r>
+                    </a:p>
+                  </a:txBody>
+                  <a:tcPr anchor="ctr">
+                    <a:solidFill>
+                      <a:srgbClr val="002060"/>
+                    </a:solidFill>
+                  </a:tcPr>
+                </a:tc>
+                <a:extLst>
+                  <a:ext uri="{0D108BD9-81ED-4DB2-BD59-A6C34878D82A}">
+                    <a16:rowId xmlns:a16="http://schemas.microsoft.com/office/drawing/2014/main" val="1117541052"/>
+                  </a:ext>
+                </a:extLst>
+              </a:tr>
+              <a:tr h="370840">
+                <a:tc>
+                  <a:txBody>
+                    <a:bodyPr/>
+                    <a:lstStyle/>
+                    <a:p>
+                      <a:pPr algn="ctr"/>
+                      <a:r>
+                        <a:rPr lang="en-US" sz="1800" b="0" i="0" dirty="0">
+                          <a:latin typeface="Tahoma" panose="020B0604030504040204" pitchFamily="34" charset="0"/>
+                          <a:ea typeface="Tahoma" panose="020B0604030504040204" pitchFamily="34" charset="0"/>
+                          <a:cs typeface="Tahoma" panose="020B0604030504040204" pitchFamily="34" charset="0"/>
+                        </a:rPr>
+                        <a:t>000001</a:t>
+                      </a:r>
+                    </a:p>
+                  </a:txBody>
+                  <a:tcPr anchor="ctr">
+                    <a:solidFill>
+                      <a:schemeClr val="bg1">
+                        <a:lumMod val="85000"/>
+                      </a:schemeClr>
+                    </a:solidFill>
+                  </a:tcPr>
+                </a:tc>
+                <a:tc>
+                  <a:txBody>
+                    <a:bodyPr/>
+                    <a:lstStyle/>
+                    <a:p>
+                      <a:pPr algn="ctr"/>
+                      <a:r>
+                        <a:rPr lang="en-US" sz="1800" b="0" i="0" dirty="0">
+                          <a:latin typeface="Tahoma" panose="020B0604030504040204" pitchFamily="34" charset="0"/>
+                          <a:ea typeface="Tahoma" panose="020B0604030504040204" pitchFamily="34" charset="0"/>
+                          <a:cs typeface="Tahoma" panose="020B0604030504040204" pitchFamily="34" charset="0"/>
+                        </a:rPr>
+                        <a:t>$7,000</a:t>
+                      </a:r>
+                    </a:p>
+                  </a:txBody>
+                  <a:tcPr anchor="ctr">
+                    <a:solidFill>
+                      <a:schemeClr val="bg1">
+                        <a:lumMod val="85000"/>
+                      </a:schemeClr>
+                    </a:solidFill>
+                  </a:tcPr>
+                </a:tc>
+                <a:tc>
+                  <a:txBody>
+                    <a:bodyPr/>
+                    <a:lstStyle/>
+                    <a:p>
+                      <a:pPr algn="ctr"/>
+                      <a:r>
+                        <a:rPr lang="en-US" sz="1800" b="0" i="0" dirty="0">
+                          <a:latin typeface="Tahoma" panose="020B0604030504040204" pitchFamily="34" charset="0"/>
+                          <a:ea typeface="Tahoma" panose="020B0604030504040204" pitchFamily="34" charset="0"/>
+                          <a:cs typeface="Tahoma" panose="020B0604030504040204" pitchFamily="34" charset="0"/>
+                        </a:rPr>
+                        <a:t>$3,000</a:t>
+                      </a:r>
+                    </a:p>
+                  </a:txBody>
+                  <a:tcPr anchor="ctr">
+                    <a:solidFill>
+                      <a:schemeClr val="bg1">
+                        <a:lumMod val="85000"/>
+                      </a:schemeClr>
+                    </a:solidFill>
+                  </a:tcPr>
+                </a:tc>
+                <a:tc>
+                  <a:txBody>
+                    <a:bodyPr/>
+                    <a:lstStyle/>
+                    <a:p>
+                      <a:pPr algn="ctr"/>
+                      <a:r>
+                        <a:rPr lang="en-US" sz="1800" b="0" i="0" dirty="0">
+                          <a:latin typeface="Tahoma" panose="020B0604030504040204" pitchFamily="34" charset="0"/>
+                          <a:ea typeface="Tahoma" panose="020B0604030504040204" pitchFamily="34" charset="0"/>
+                          <a:cs typeface="Tahoma" panose="020B0604030504040204" pitchFamily="34" charset="0"/>
+                        </a:rPr>
+                        <a:t>35</a:t>
+                      </a:r>
+                    </a:p>
+                  </a:txBody>
+                  <a:tcPr anchor="ctr">
+                    <a:solidFill>
+                      <a:schemeClr val="bg1">
+                        <a:lumMod val="85000"/>
+                      </a:schemeClr>
+                    </a:solidFill>
+                  </a:tcPr>
+                </a:tc>
+                <a:tc>
+                  <a:txBody>
+                    <a:bodyPr/>
+                    <a:lstStyle/>
+                    <a:p>
+                      <a:pPr algn="ctr"/>
+                      <a:r>
+                        <a:rPr lang="en-US" sz="1800" b="0" i="0" dirty="0">
+                          <a:latin typeface="Tahoma" panose="020B0604030504040204" pitchFamily="34" charset="0"/>
+                          <a:ea typeface="Tahoma" panose="020B0604030504040204" pitchFamily="34" charset="0"/>
+                          <a:cs typeface="Tahoma" panose="020B0604030504040204" pitchFamily="34" charset="0"/>
+                        </a:rPr>
+                        <a:t>3</a:t>
+                      </a:r>
+                    </a:p>
+                  </a:txBody>
+                  <a:tcPr anchor="ctr">
+                    <a:solidFill>
+                      <a:schemeClr val="bg1">
+                        <a:lumMod val="85000"/>
+                      </a:schemeClr>
+                    </a:solidFill>
+                  </a:tcPr>
+                </a:tc>
+                <a:extLst>
+                  <a:ext uri="{0D108BD9-81ED-4DB2-BD59-A6C34878D82A}">
+                    <a16:rowId xmlns:a16="http://schemas.microsoft.com/office/drawing/2014/main" val="2040728718"/>
+                  </a:ext>
+                </a:extLst>
+              </a:tr>
+              <a:tr h="370840">
+                <a:tc>
+                  <a:txBody>
+                    <a:bodyPr/>
+                    <a:lstStyle/>
+                    <a:p>
+                      <a:pPr algn="ctr"/>
+                      <a:r>
+                        <a:rPr lang="en-US" sz="1800" b="0" i="0" dirty="0">
+                          <a:latin typeface="Tahoma" panose="020B0604030504040204" pitchFamily="34" charset="0"/>
+                          <a:ea typeface="Tahoma" panose="020B0604030504040204" pitchFamily="34" charset="0"/>
+                          <a:cs typeface="Tahoma" panose="020B0604030504040204" pitchFamily="34" charset="0"/>
+                        </a:rPr>
+                        <a:t>000002</a:t>
+                      </a:r>
+                    </a:p>
+                  </a:txBody>
+                  <a:tcPr anchor="ctr">
+                    <a:solidFill>
+                      <a:schemeClr val="bg1">
+                        <a:lumMod val="85000"/>
+                      </a:schemeClr>
+                    </a:solidFill>
+                  </a:tcPr>
+                </a:tc>
+                <a:tc>
+                  <a:txBody>
+                    <a:bodyPr/>
+                    <a:lstStyle/>
+                    <a:p>
+                      <a:pPr algn="ctr"/>
+                      <a:r>
+                        <a:rPr lang="en-US" sz="1800" b="0" i="0" dirty="0">
+                          <a:latin typeface="Tahoma" panose="020B0604030504040204" pitchFamily="34" charset="0"/>
+                          <a:ea typeface="Tahoma" panose="020B0604030504040204" pitchFamily="34" charset="0"/>
+                          <a:cs typeface="Tahoma" panose="020B0604030504040204" pitchFamily="34" charset="0"/>
+                        </a:rPr>
+                        <a:t>Nan</a:t>
+                      </a:r>
+                    </a:p>
+                  </a:txBody>
+                  <a:tcPr anchor="ctr">
+                    <a:solidFill>
+                      <a:schemeClr val="bg1">
+                        <a:lumMod val="85000"/>
+                      </a:schemeClr>
+                    </a:solidFill>
+                  </a:tcPr>
+                </a:tc>
+                <a:tc>
+                  <a:txBody>
+                    <a:bodyPr/>
+                    <a:lstStyle/>
+                    <a:p>
+                      <a:pPr algn="ctr"/>
+                      <a:r>
+                        <a:rPr lang="en-US" sz="1800" b="0" i="0" dirty="0">
+                          <a:latin typeface="Tahoma" panose="020B0604030504040204" pitchFamily="34" charset="0"/>
+                          <a:ea typeface="Tahoma" panose="020B0604030504040204" pitchFamily="34" charset="0"/>
+                          <a:cs typeface="Tahoma" panose="020B0604030504040204" pitchFamily="34" charset="0"/>
+                        </a:rPr>
+                        <a:t>Nan</a:t>
+                      </a:r>
+                    </a:p>
+                  </a:txBody>
+                  <a:tcPr anchor="ctr">
+                    <a:solidFill>
+                      <a:schemeClr val="bg1">
+                        <a:lumMod val="85000"/>
+                      </a:schemeClr>
+                    </a:solidFill>
+                  </a:tcPr>
+                </a:tc>
+                <a:tc>
+                  <a:txBody>
+                    <a:bodyPr/>
+                    <a:lstStyle/>
+                    <a:p>
+                      <a:pPr algn="ctr"/>
+                      <a:r>
+                        <a:rPr lang="en-US" sz="1800" b="0" i="0" dirty="0">
+                          <a:latin typeface="Tahoma" panose="020B0604030504040204" pitchFamily="34" charset="0"/>
+                          <a:ea typeface="Tahoma" panose="020B0604030504040204" pitchFamily="34" charset="0"/>
+                          <a:cs typeface="Tahoma" panose="020B0604030504040204" pitchFamily="34" charset="0"/>
+                        </a:rPr>
+                        <a:t>20</a:t>
+                      </a:r>
+                    </a:p>
+                  </a:txBody>
+                  <a:tcPr anchor="ctr">
+                    <a:solidFill>
+                      <a:schemeClr val="bg1">
+                        <a:lumMod val="85000"/>
+                      </a:schemeClr>
+                    </a:solidFill>
+                  </a:tcPr>
+                </a:tc>
+                <a:tc>
+                  <a:txBody>
+                    <a:bodyPr/>
+                    <a:lstStyle/>
+                    <a:p>
+                      <a:pPr algn="ctr"/>
+                      <a:r>
+                        <a:rPr lang="en-US" sz="1800" b="0" i="0" dirty="0">
+                          <a:latin typeface="Tahoma" panose="020B0604030504040204" pitchFamily="34" charset="0"/>
+                          <a:ea typeface="Tahoma" panose="020B0604030504040204" pitchFamily="34" charset="0"/>
+                          <a:cs typeface="Tahoma" panose="020B0604030504040204" pitchFamily="34" charset="0"/>
+                        </a:rPr>
+                        <a:t>5</a:t>
+                      </a:r>
+                    </a:p>
+                  </a:txBody>
+                  <a:tcPr anchor="ctr">
+                    <a:solidFill>
+                      <a:schemeClr val="bg1">
+                        <a:lumMod val="85000"/>
+                      </a:schemeClr>
+                    </a:solidFill>
+                  </a:tcPr>
+                </a:tc>
+                <a:extLst>
+                  <a:ext uri="{0D108BD9-81ED-4DB2-BD59-A6C34878D82A}">
+                    <a16:rowId xmlns:a16="http://schemas.microsoft.com/office/drawing/2014/main" val="2498836657"/>
+                  </a:ext>
+                </a:extLst>
+              </a:tr>
+              <a:tr h="370840">
+                <a:tc>
+                  <a:txBody>
+                    <a:bodyPr/>
+                    <a:lstStyle/>
+                    <a:p>
+                      <a:pPr algn="ctr"/>
+                      <a:r>
+                        <a:rPr lang="en-US" sz="1800" b="0" i="0" dirty="0">
+                          <a:latin typeface="Tahoma" panose="020B0604030504040204" pitchFamily="34" charset="0"/>
+                          <a:ea typeface="Tahoma" panose="020B0604030504040204" pitchFamily="34" charset="0"/>
+                          <a:cs typeface="Tahoma" panose="020B0604030504040204" pitchFamily="34" charset="0"/>
+                        </a:rPr>
+                        <a:t>000003</a:t>
+                      </a:r>
+                    </a:p>
+                  </a:txBody>
+                  <a:tcPr anchor="ctr">
+                    <a:solidFill>
+                      <a:schemeClr val="bg1">
+                        <a:lumMod val="85000"/>
+                      </a:schemeClr>
+                    </a:solidFill>
+                  </a:tcPr>
+                </a:tc>
+                <a:tc>
+                  <a:txBody>
+                    <a:bodyPr/>
+                    <a:lstStyle/>
+                    <a:p>
+                      <a:pPr algn="ctr"/>
+                      <a:r>
+                        <a:rPr lang="en-US" sz="1800" b="0" i="0" dirty="0">
+                          <a:latin typeface="Tahoma" panose="020B0604030504040204" pitchFamily="34" charset="0"/>
+                          <a:ea typeface="Tahoma" panose="020B0604030504040204" pitchFamily="34" charset="0"/>
+                          <a:cs typeface="Tahoma" panose="020B0604030504040204" pitchFamily="34" charset="0"/>
+                        </a:rPr>
+                        <a:t>$5,000</a:t>
+                      </a:r>
+                    </a:p>
+                  </a:txBody>
+                  <a:tcPr anchor="ctr">
+                    <a:solidFill>
+                      <a:schemeClr val="bg1">
+                        <a:lumMod val="85000"/>
+                      </a:schemeClr>
+                    </a:solidFill>
+                  </a:tcPr>
+                </a:tc>
+                <a:tc>
+                  <a:txBody>
+                    <a:bodyPr/>
+                    <a:lstStyle/>
+                    <a:p>
+                      <a:pPr algn="ctr"/>
+                      <a:r>
+                        <a:rPr lang="en-US" sz="1800" b="0" i="0" dirty="0">
+                          <a:latin typeface="Tahoma" panose="020B0604030504040204" pitchFamily="34" charset="0"/>
+                          <a:ea typeface="Tahoma" panose="020B0604030504040204" pitchFamily="34" charset="0"/>
+                          <a:cs typeface="Tahoma" panose="020B0604030504040204" pitchFamily="34" charset="0"/>
+                        </a:rPr>
+                        <a:t>$7,000</a:t>
+                      </a:r>
+                    </a:p>
+                  </a:txBody>
+                  <a:tcPr anchor="ctr">
+                    <a:solidFill>
+                      <a:schemeClr val="bg1">
+                        <a:lumMod val="85000"/>
+                      </a:schemeClr>
+                    </a:solidFill>
+                  </a:tcPr>
+                </a:tc>
+                <a:tc>
+                  <a:txBody>
+                    <a:bodyPr/>
+                    <a:lstStyle/>
+                    <a:p>
+                      <a:pPr algn="ctr"/>
+                      <a:r>
+                        <a:rPr lang="en-US" sz="1800" b="0" i="0" dirty="0">
+                          <a:latin typeface="Tahoma" panose="020B0604030504040204" pitchFamily="34" charset="0"/>
+                          <a:ea typeface="Tahoma" panose="020B0604030504040204" pitchFamily="34" charset="0"/>
+                          <a:cs typeface="Tahoma" panose="020B0604030504040204" pitchFamily="34" charset="0"/>
+                        </a:rPr>
+                        <a:t>Nan</a:t>
+                      </a:r>
+                    </a:p>
+                  </a:txBody>
+                  <a:tcPr anchor="ctr">
+                    <a:solidFill>
+                      <a:schemeClr val="bg1">
+                        <a:lumMod val="85000"/>
+                      </a:schemeClr>
+                    </a:solidFill>
+                  </a:tcPr>
+                </a:tc>
+                <a:tc>
+                  <a:txBody>
+                    <a:bodyPr/>
+                    <a:lstStyle/>
+                    <a:p>
+                      <a:pPr algn="ctr"/>
+                      <a:r>
+                        <a:rPr lang="en-US" sz="1800" b="0" i="0" dirty="0">
+                          <a:latin typeface="Tahoma" panose="020B0604030504040204" pitchFamily="34" charset="0"/>
+                          <a:ea typeface="Tahoma" panose="020B0604030504040204" pitchFamily="34" charset="0"/>
+                          <a:cs typeface="Tahoma" panose="020B0604030504040204" pitchFamily="34" charset="0"/>
+                        </a:rPr>
+                        <a:t>Nan</a:t>
+                      </a:r>
+                    </a:p>
+                  </a:txBody>
+                  <a:tcPr anchor="ctr">
+                    <a:solidFill>
+                      <a:schemeClr val="bg1">
+                        <a:lumMod val="85000"/>
+                      </a:schemeClr>
+                    </a:solidFill>
+                  </a:tcPr>
+                </a:tc>
+                <a:extLst>
+                  <a:ext uri="{0D108BD9-81ED-4DB2-BD59-A6C34878D82A}">
+                    <a16:rowId xmlns:a16="http://schemas.microsoft.com/office/drawing/2014/main" val="2371931699"/>
+                  </a:ext>
+                </a:extLst>
+              </a:tr>
+              <a:tr h="370840">
+                <a:tc>
+                  <a:txBody>
+                    <a:bodyPr/>
+                    <a:lstStyle/>
+                    <a:p>
+                      <a:pPr algn="ctr"/>
+                      <a:r>
+                        <a:rPr lang="en-US" sz="1800" b="0" i="0" dirty="0">
+                          <a:latin typeface="Tahoma" panose="020B0604030504040204" pitchFamily="34" charset="0"/>
+                          <a:ea typeface="Tahoma" panose="020B0604030504040204" pitchFamily="34" charset="0"/>
+                          <a:cs typeface="Tahoma" panose="020B0604030504040204" pitchFamily="34" charset="0"/>
+                        </a:rPr>
+                        <a:t>000004</a:t>
+                      </a:r>
+                    </a:p>
+                  </a:txBody>
+                  <a:tcPr anchor="ctr">
+                    <a:solidFill>
+                      <a:schemeClr val="bg1">
+                        <a:lumMod val="85000"/>
+                      </a:schemeClr>
+                    </a:solidFill>
+                  </a:tcPr>
+                </a:tc>
+                <a:tc>
+                  <a:txBody>
+                    <a:bodyPr/>
+                    <a:lstStyle/>
+                    <a:p>
+                      <a:pPr algn="ctr"/>
+                      <a:r>
+                        <a:rPr lang="en-US" sz="1800" b="0" i="0" dirty="0">
+                          <a:latin typeface="Tahoma" panose="020B0604030504040204" pitchFamily="34" charset="0"/>
+                          <a:ea typeface="Tahoma" panose="020B0604030504040204" pitchFamily="34" charset="0"/>
+                          <a:cs typeface="Tahoma" panose="020B0604030504040204" pitchFamily="34" charset="0"/>
+                        </a:rPr>
+                        <a:t>$2,000</a:t>
+                      </a:r>
+                    </a:p>
+                  </a:txBody>
+                  <a:tcPr anchor="ctr">
+                    <a:solidFill>
+                      <a:schemeClr val="bg1">
+                        <a:lumMod val="85000"/>
+                      </a:schemeClr>
+                    </a:solidFill>
+                  </a:tcPr>
+                </a:tc>
+                <a:tc>
+                  <a:txBody>
+                    <a:bodyPr/>
+                    <a:lstStyle/>
+                    <a:p>
+                      <a:pPr algn="ctr"/>
+                      <a:r>
+                        <a:rPr lang="en-US" sz="1800" b="0" i="0" dirty="0">
+                          <a:latin typeface="Tahoma" panose="020B0604030504040204" pitchFamily="34" charset="0"/>
+                          <a:ea typeface="Tahoma" panose="020B0604030504040204" pitchFamily="34" charset="0"/>
+                          <a:cs typeface="Tahoma" panose="020B0604030504040204" pitchFamily="34" charset="0"/>
+                        </a:rPr>
+                        <a:t>$2,000</a:t>
+                      </a:r>
+                    </a:p>
+                  </a:txBody>
+                  <a:tcPr anchor="ctr">
+                    <a:solidFill>
+                      <a:schemeClr val="bg1">
+                        <a:lumMod val="85000"/>
+                      </a:schemeClr>
+                    </a:solidFill>
+                  </a:tcPr>
+                </a:tc>
+                <a:tc>
+                  <a:txBody>
+                    <a:bodyPr/>
+                    <a:lstStyle/>
+                    <a:p>
+                      <a:pPr algn="ctr"/>
+                      <a:r>
+                        <a:rPr lang="en-US" sz="1800" b="0" i="0" dirty="0">
+                          <a:latin typeface="Tahoma" panose="020B0604030504040204" pitchFamily="34" charset="0"/>
+                          <a:ea typeface="Tahoma" panose="020B0604030504040204" pitchFamily="34" charset="0"/>
+                          <a:cs typeface="Tahoma" panose="020B0604030504040204" pitchFamily="34" charset="0"/>
+                        </a:rPr>
+                        <a:t>10</a:t>
+                      </a:r>
+                    </a:p>
+                  </a:txBody>
+                  <a:tcPr anchor="ctr">
+                    <a:solidFill>
+                      <a:schemeClr val="bg1">
+                        <a:lumMod val="85000"/>
+                      </a:schemeClr>
+                    </a:solidFill>
+                  </a:tcPr>
+                </a:tc>
+                <a:tc>
+                  <a:txBody>
+                    <a:bodyPr/>
+                    <a:lstStyle/>
+                    <a:p>
+                      <a:pPr algn="ctr"/>
+                      <a:r>
+                        <a:rPr lang="en-US" sz="1800" b="0" i="0" dirty="0">
+                          <a:latin typeface="Tahoma" panose="020B0604030504040204" pitchFamily="34" charset="0"/>
+                          <a:ea typeface="Tahoma" panose="020B0604030504040204" pitchFamily="34" charset="0"/>
+                          <a:cs typeface="Tahoma" panose="020B0604030504040204" pitchFamily="34" charset="0"/>
+                        </a:rPr>
+                        <a:t>2</a:t>
+                      </a:r>
+                    </a:p>
+                  </a:txBody>
+                  <a:tcPr anchor="ctr">
+                    <a:solidFill>
+                      <a:schemeClr val="bg1">
+                        <a:lumMod val="85000"/>
+                      </a:schemeClr>
+                    </a:solidFill>
+                  </a:tcPr>
+                </a:tc>
+                <a:extLst>
+                  <a:ext uri="{0D108BD9-81ED-4DB2-BD59-A6C34878D82A}">
+                    <a16:rowId xmlns:a16="http://schemas.microsoft.com/office/drawing/2014/main" val="1692475537"/>
+                  </a:ext>
+                </a:extLst>
+              </a:tr>
+            </a:tbl>
+          </a:graphicData>
+        </a:graphic>
+      </p:graphicFrame>
+      <p:cxnSp>
+        <p:nvCxnSpPr>
+          <p:cNvPr id="32" name="Elbow Connector 31">
+            <a:extLst>
+              <a:ext uri="{FF2B5EF4-FFF2-40B4-BE49-F238E27FC236}">
+                <a16:creationId xmlns:a16="http://schemas.microsoft.com/office/drawing/2014/main" id="{A634BDFA-180F-3E4B-AAEC-BF8CCF55109E}"/>
+              </a:ext>
+            </a:extLst>
+          </p:cNvPr>
+          <p:cNvCxnSpPr>
+            <a:cxnSpLocks/>
+            <a:stCxn id="28" idx="2"/>
+            <a:endCxn id="30" idx="0"/>
+          </p:cNvCxnSpPr>
+          <p:nvPr/>
+        </p:nvCxnSpPr>
+        <p:spPr>
+          <a:xfrm rot="16200000" flipH="1">
+            <a:off x="4040606" y="1665481"/>
+            <a:ext cx="934453" cy="2636253"/>
+          </a:xfrm>
+          <a:prstGeom prst="bentConnector3">
+            <a:avLst>
+              <a:gd name="adj1" fmla="val 50000"/>
+            </a:avLst>
+          </a:prstGeom>
+          <a:ln w="38100">
+            <a:solidFill>
+              <a:srgbClr val="002060"/>
+            </a:solidFill>
+            <a:tailEnd type="triangle"/>
+          </a:ln>
+        </p:spPr>
+        <p:style>
+          <a:lnRef idx="1">
+            <a:schemeClr val="accent1"/>
+          </a:lnRef>
+          <a:fillRef idx="0">
+            <a:schemeClr val="accent1"/>
+          </a:fillRef>
+          <a:effectRef idx="0">
+            <a:schemeClr val="accent1"/>
+          </a:effectRef>
+          <a:fontRef idx="minor">
+            <a:schemeClr val="tx1"/>
+          </a:fontRef>
+        </p:style>
+      </p:cxnSp>
+      <p:cxnSp>
+        <p:nvCxnSpPr>
+          <p:cNvPr id="34" name="Elbow Connector 33">
+            <a:extLst>
+              <a:ext uri="{FF2B5EF4-FFF2-40B4-BE49-F238E27FC236}">
+                <a16:creationId xmlns:a16="http://schemas.microsoft.com/office/drawing/2014/main" id="{98F0593A-142B-4B4B-BEDA-92BDE8BCD1C3}"/>
+              </a:ext>
+            </a:extLst>
+          </p:cNvPr>
+          <p:cNvCxnSpPr>
+            <a:cxnSpLocks/>
+            <a:stCxn id="29" idx="2"/>
+            <a:endCxn id="30" idx="0"/>
+          </p:cNvCxnSpPr>
+          <p:nvPr/>
+        </p:nvCxnSpPr>
+        <p:spPr>
+          <a:xfrm rot="5400000">
+            <a:off x="6699586" y="1642756"/>
+            <a:ext cx="934453" cy="2681705"/>
+          </a:xfrm>
+          <a:prstGeom prst="bentConnector3">
+            <a:avLst>
+              <a:gd name="adj1" fmla="val 50000"/>
+            </a:avLst>
+          </a:prstGeom>
+          <a:ln w="38100">
+            <a:solidFill>
+              <a:srgbClr val="002060"/>
+            </a:solidFill>
+            <a:tailEnd type="triangle"/>
+          </a:ln>
+        </p:spPr>
+        <p:style>
+          <a:lnRef idx="1">
+            <a:schemeClr val="accent1"/>
+          </a:lnRef>
+          <a:fillRef idx="0">
+            <a:schemeClr val="accent1"/>
+          </a:fillRef>
+          <a:effectRef idx="0">
+            <a:schemeClr val="accent1"/>
+          </a:effectRef>
+          <a:fontRef idx="minor">
+            <a:schemeClr val="tx1"/>
+          </a:fontRef>
+        </p:style>
+      </p:cxnSp>
+    </p:spTree>
+    <p:extLst>
+      <p:ext uri="{BB962C8B-B14F-4D97-AF65-F5344CB8AC3E}">
+        <p14:creationId xmlns:p14="http://schemas.microsoft.com/office/powerpoint/2010/main" val="1593009968"/>
+      </p:ext>
+    </p:extLst>
+  </p:cSld>
+  <p:clrMapOvr>
+    <a:masterClrMapping/>
+  </p:clrMapOvr>
+</p:sld>
+</file>
+
+<file path=ppt/slides/slide7.xml><?xml version="1.0" encoding="utf-8"?>
+<p:sld xmlns:a="http://schemas.openxmlformats.org/drawingml/2006/main" xmlns:r="http://schemas.openxmlformats.org/officeDocument/2006/relationships" xmlns:p="http://schemas.openxmlformats.org/presentationml/2006/main">
+  <p:cSld>
+    <p:spTree>
+      <p:nvGrpSpPr>
+        <p:cNvPr id="1" name=""/>
+        <p:cNvGrpSpPr/>
+        <p:nvPr/>
+      </p:nvGrpSpPr>
+      <p:grpSpPr>
+        <a:xfrm>
+          <a:off x="0" y="0"/>
+          <a:ext cx="0" cy="0"/>
+          <a:chOff x="0" y="0"/>
+          <a:chExt cx="0" cy="0"/>
+        </a:xfrm>
+      </p:grpSpPr>
+      <p:grpSp>
+        <p:nvGrpSpPr>
+          <p:cNvPr id="33" name="Group 32">
+            <a:extLst>
+              <a:ext uri="{FF2B5EF4-FFF2-40B4-BE49-F238E27FC236}">
+                <a16:creationId xmlns:a16="http://schemas.microsoft.com/office/drawing/2014/main" id="{46FF23FC-58D6-2C46-BABE-649518BC378A}"/>
+              </a:ext>
+            </a:extLst>
+          </p:cNvPr>
+          <p:cNvGrpSpPr/>
+          <p:nvPr/>
+        </p:nvGrpSpPr>
+        <p:grpSpPr>
+          <a:xfrm>
+            <a:off x="704403" y="6104750"/>
+            <a:ext cx="10364643" cy="2013338"/>
+            <a:chOff x="704403" y="6104750"/>
+            <a:chExt cx="10364643" cy="2013338"/>
+          </a:xfrm>
+        </p:grpSpPr>
+        <p:sp>
+          <p:nvSpPr>
+            <p:cNvPr id="4" name="Rectangle 3">
+              <a:extLst>
+                <a:ext uri="{FF2B5EF4-FFF2-40B4-BE49-F238E27FC236}">
+                  <a16:creationId xmlns:a16="http://schemas.microsoft.com/office/drawing/2014/main" id="{7AD96155-24C6-624E-A3F5-87AD27FC2B29}"/>
+                </a:ext>
+              </a:extLst>
+            </p:cNvPr>
+            <p:cNvSpPr/>
+            <p:nvPr/>
+          </p:nvSpPr>
+          <p:spPr>
+            <a:xfrm>
+              <a:off x="704403" y="7167176"/>
+              <a:ext cx="1894413" cy="950912"/>
+            </a:xfrm>
+            <a:prstGeom prst="rect">
+              <a:avLst/>
+            </a:prstGeom>
+            <a:solidFill>
+              <a:schemeClr val="bg1">
+                <a:lumMod val="85000"/>
+              </a:schemeClr>
+            </a:solidFill>
+            <a:ln>
+              <a:noFill/>
+            </a:ln>
+            <a:effectLst/>
+          </p:spPr>
+          <p:style>
+            <a:lnRef idx="2">
+              <a:schemeClr val="accent1">
+                <a:shade val="50000"/>
+              </a:schemeClr>
+            </a:lnRef>
+            <a:fillRef idx="1">
+              <a:schemeClr val="accent1"/>
+            </a:fillRef>
+            <a:effectRef idx="0">
+              <a:schemeClr val="accent1"/>
+            </a:effectRef>
+            <a:fontRef idx="minor">
+              <a:schemeClr val="lt1"/>
+            </a:fontRef>
+          </p:style>
+          <p:txBody>
+            <a:bodyPr lIns="0" rtlCol="0" anchor="ctr"/>
+            <a:lstStyle/>
+            <a:p>
+              <a:pPr algn="ctr"/>
+              <a:r>
+                <a:rPr lang="en-US" dirty="0">
+                  <a:solidFill>
+                    <a:schemeClr val="tx1"/>
+                  </a:solidFill>
+                  <a:latin typeface="Tahoma" panose="020B0604030504040204" pitchFamily="34" charset="0"/>
+                  <a:ea typeface="Tahoma" panose="020B0604030504040204" pitchFamily="34" charset="0"/>
+                  <a:cs typeface="Tahoma" panose="020B0604030504040204" pitchFamily="34" charset="0"/>
+                </a:rPr>
+                <a:t>Merged Data</a:t>
+              </a:r>
+            </a:p>
+            <a:p>
+              <a:pPr algn="ctr"/>
+              <a:r>
+                <a:rPr lang="en-US" dirty="0">
+                  <a:solidFill>
+                    <a:schemeClr val="tx1"/>
+                  </a:solidFill>
+                  <a:latin typeface="Tahoma" panose="020B0604030504040204" pitchFamily="34" charset="0"/>
+                  <a:ea typeface="Tahoma" panose="020B0604030504040204" pitchFamily="34" charset="0"/>
+                  <a:cs typeface="Tahoma" panose="020B0604030504040204" pitchFamily="34" charset="0"/>
+                </a:rPr>
+                <a:t>2010</a:t>
+              </a:r>
+            </a:p>
+          </p:txBody>
+        </p:sp>
+        <p:sp>
+          <p:nvSpPr>
+            <p:cNvPr id="5" name="Rectangle 4">
+              <a:extLst>
+                <a:ext uri="{FF2B5EF4-FFF2-40B4-BE49-F238E27FC236}">
+                  <a16:creationId xmlns:a16="http://schemas.microsoft.com/office/drawing/2014/main" id="{7E293191-F670-984F-999A-F7056A175F59}"/>
+                </a:ext>
+              </a:extLst>
+            </p:cNvPr>
+            <p:cNvSpPr/>
+            <p:nvPr/>
+          </p:nvSpPr>
+          <p:spPr>
+            <a:xfrm>
+              <a:off x="3527813" y="7167176"/>
+              <a:ext cx="1894413" cy="950912"/>
+            </a:xfrm>
+            <a:prstGeom prst="rect">
+              <a:avLst/>
+            </a:prstGeom>
+            <a:solidFill>
+              <a:schemeClr val="bg1">
+                <a:lumMod val="85000"/>
+              </a:schemeClr>
+            </a:solidFill>
+            <a:ln>
+              <a:noFill/>
+            </a:ln>
+            <a:effectLst/>
+          </p:spPr>
+          <p:style>
+            <a:lnRef idx="2">
+              <a:schemeClr val="accent1">
+                <a:shade val="50000"/>
+              </a:schemeClr>
+            </a:lnRef>
+            <a:fillRef idx="1">
+              <a:schemeClr val="accent1"/>
+            </a:fillRef>
+            <a:effectRef idx="0">
+              <a:schemeClr val="accent1"/>
+            </a:effectRef>
+            <a:fontRef idx="minor">
+              <a:schemeClr val="lt1"/>
+            </a:fontRef>
+          </p:style>
+          <p:txBody>
+            <a:bodyPr lIns="0" rtlCol="0" anchor="ctr"/>
+            <a:lstStyle/>
+            <a:p>
+              <a:pPr algn="ctr"/>
+              <a:r>
+                <a:rPr lang="en-US" dirty="0">
+                  <a:solidFill>
+                    <a:schemeClr val="tx1"/>
+                  </a:solidFill>
+                  <a:latin typeface="Tahoma" panose="020B0604030504040204" pitchFamily="34" charset="0"/>
+                  <a:ea typeface="Tahoma" panose="020B0604030504040204" pitchFamily="34" charset="0"/>
+                  <a:cs typeface="Tahoma" panose="020B0604030504040204" pitchFamily="34" charset="0"/>
+                </a:rPr>
+                <a:t>In 2015 Directory?</a:t>
+              </a:r>
+            </a:p>
+          </p:txBody>
+        </p:sp>
+        <p:sp>
+          <p:nvSpPr>
+            <p:cNvPr id="6" name="Down Arrow 5">
+              <a:extLst>
+                <a:ext uri="{FF2B5EF4-FFF2-40B4-BE49-F238E27FC236}">
+                  <a16:creationId xmlns:a16="http://schemas.microsoft.com/office/drawing/2014/main" id="{B084E19C-1B17-E641-A064-1ABD8F420C1D}"/>
+                </a:ext>
+              </a:extLst>
+            </p:cNvPr>
+            <p:cNvSpPr/>
+            <p:nvPr/>
+          </p:nvSpPr>
+          <p:spPr>
+            <a:xfrm rot="16200000">
+              <a:off x="2710388" y="7307570"/>
+              <a:ext cx="705853" cy="670123"/>
+            </a:xfrm>
+            <a:prstGeom prst="downArrow">
+              <a:avLst/>
+            </a:prstGeom>
+            <a:solidFill>
+              <a:srgbClr val="002060"/>
+            </a:solidFill>
+            <a:ln>
+              <a:noFill/>
+            </a:ln>
+          </p:spPr>
+          <p:style>
+            <a:lnRef idx="2">
+              <a:schemeClr val="accent1">
+                <a:shade val="50000"/>
+              </a:schemeClr>
+            </a:lnRef>
+            <a:fillRef idx="1">
+              <a:schemeClr val="accent1"/>
+            </a:fillRef>
+            <a:effectRef idx="0">
+              <a:schemeClr val="accent1"/>
+            </a:effectRef>
+            <a:fontRef idx="minor">
+              <a:schemeClr val="lt1"/>
+            </a:fontRef>
+          </p:style>
+          <p:txBody>
+            <a:bodyPr rtlCol="0" anchor="ctr"/>
+            <a:lstStyle/>
+            <a:p>
+              <a:pPr algn="ctr"/>
+              <a:endParaRPr lang="en-US"/>
+            </a:p>
+          </p:txBody>
+        </p:sp>
+        <p:sp>
+          <p:nvSpPr>
+            <p:cNvPr id="7" name="Rectangle 6">
+              <a:extLst>
+                <a:ext uri="{FF2B5EF4-FFF2-40B4-BE49-F238E27FC236}">
+                  <a16:creationId xmlns:a16="http://schemas.microsoft.com/office/drawing/2014/main" id="{2852A0F5-C90D-B843-9182-3438F04AADE9}"/>
+                </a:ext>
+              </a:extLst>
+            </p:cNvPr>
+            <p:cNvSpPr/>
+            <p:nvPr/>
+          </p:nvSpPr>
+          <p:spPr>
+            <a:xfrm>
+              <a:off x="6351223" y="7167175"/>
+              <a:ext cx="1894413" cy="950912"/>
+            </a:xfrm>
+            <a:prstGeom prst="rect">
+              <a:avLst/>
+            </a:prstGeom>
+            <a:solidFill>
+              <a:schemeClr val="bg1">
+                <a:lumMod val="85000"/>
+              </a:schemeClr>
+            </a:solidFill>
+            <a:ln>
+              <a:noFill/>
+            </a:ln>
+            <a:effectLst/>
+          </p:spPr>
+          <p:style>
+            <a:lnRef idx="2">
+              <a:schemeClr val="accent1">
+                <a:shade val="50000"/>
+              </a:schemeClr>
+            </a:lnRef>
+            <a:fillRef idx="1">
+              <a:schemeClr val="accent1"/>
+            </a:fillRef>
+            <a:effectRef idx="0">
+              <a:schemeClr val="accent1"/>
+            </a:effectRef>
+            <a:fontRef idx="minor">
+              <a:schemeClr val="lt1"/>
+            </a:fontRef>
+          </p:style>
+          <p:txBody>
+            <a:bodyPr lIns="0" rtlCol="0" anchor="ctr"/>
+            <a:lstStyle/>
+            <a:p>
+              <a:pPr algn="ctr"/>
+              <a:r>
+                <a:rPr lang="en-US" dirty="0">
+                  <a:solidFill>
+                    <a:schemeClr val="tx1"/>
+                  </a:solidFill>
+                  <a:latin typeface="Tahoma" panose="020B0604030504040204" pitchFamily="34" charset="0"/>
+                  <a:ea typeface="Tahoma" panose="020B0604030504040204" pitchFamily="34" charset="0"/>
+                  <a:cs typeface="Tahoma" panose="020B0604030504040204" pitchFamily="34" charset="0"/>
+                </a:rPr>
+                <a:t>Status 2015 closed?</a:t>
+              </a:r>
+            </a:p>
+          </p:txBody>
+        </p:sp>
+        <p:sp>
+          <p:nvSpPr>
+            <p:cNvPr id="8" name="Rectangle 7">
+              <a:extLst>
+                <a:ext uri="{FF2B5EF4-FFF2-40B4-BE49-F238E27FC236}">
+                  <a16:creationId xmlns:a16="http://schemas.microsoft.com/office/drawing/2014/main" id="{AB29E39C-C718-A04B-AD2B-270A692635FF}"/>
+                </a:ext>
+              </a:extLst>
+            </p:cNvPr>
+            <p:cNvSpPr/>
+            <p:nvPr/>
+          </p:nvSpPr>
+          <p:spPr>
+            <a:xfrm>
+              <a:off x="9174633" y="7167175"/>
+              <a:ext cx="1894413" cy="950912"/>
+            </a:xfrm>
+            <a:prstGeom prst="rect">
+              <a:avLst/>
+            </a:prstGeom>
+            <a:solidFill>
+              <a:schemeClr val="bg1">
+                <a:lumMod val="85000"/>
+              </a:schemeClr>
+            </a:solidFill>
+            <a:ln>
+              <a:noFill/>
+            </a:ln>
+            <a:effectLst/>
+          </p:spPr>
+          <p:style>
+            <a:lnRef idx="2">
+              <a:schemeClr val="accent1">
+                <a:shade val="50000"/>
+              </a:schemeClr>
+            </a:lnRef>
+            <a:fillRef idx="1">
+              <a:schemeClr val="accent1"/>
+            </a:fillRef>
+            <a:effectRef idx="0">
+              <a:schemeClr val="accent1"/>
+            </a:effectRef>
+            <a:fontRef idx="minor">
+              <a:schemeClr val="lt1"/>
+            </a:fontRef>
+          </p:style>
+          <p:txBody>
+            <a:bodyPr lIns="0" rtlCol="0" anchor="ctr"/>
+            <a:lstStyle/>
+            <a:p>
+              <a:pPr algn="ctr"/>
+              <a:r>
+                <a:rPr lang="en-US" dirty="0">
+                  <a:solidFill>
+                    <a:schemeClr val="tx1"/>
+                  </a:solidFill>
+                  <a:latin typeface="Tahoma" panose="020B0604030504040204" pitchFamily="34" charset="0"/>
+                  <a:ea typeface="Tahoma" panose="020B0604030504040204" pitchFamily="34" charset="0"/>
+                  <a:cs typeface="Tahoma" panose="020B0604030504040204" pitchFamily="34" charset="0"/>
+                </a:rPr>
+                <a:t>Operational</a:t>
+              </a:r>
+            </a:p>
+            <a:p>
+              <a:pPr algn="ctr"/>
+              <a:r>
+                <a:rPr lang="en-US" dirty="0">
+                  <a:solidFill>
+                    <a:schemeClr val="tx1"/>
+                  </a:solidFill>
+                  <a:latin typeface="Tahoma" panose="020B0604030504040204" pitchFamily="34" charset="0"/>
+                  <a:ea typeface="Tahoma" panose="020B0604030504040204" pitchFamily="34" charset="0"/>
+                  <a:cs typeface="Tahoma" panose="020B0604030504040204" pitchFamily="34" charset="0"/>
+                </a:rPr>
+                <a:t>2015</a:t>
+              </a:r>
+            </a:p>
+          </p:txBody>
+        </p:sp>
+        <p:sp>
+          <p:nvSpPr>
+            <p:cNvPr id="9" name="Rectangle 8">
+              <a:extLst>
+                <a:ext uri="{FF2B5EF4-FFF2-40B4-BE49-F238E27FC236}">
+                  <a16:creationId xmlns:a16="http://schemas.microsoft.com/office/drawing/2014/main" id="{DEBF2A6B-5ED3-B443-813A-85BD5FE4F324}"/>
+                </a:ext>
+              </a:extLst>
+            </p:cNvPr>
+            <p:cNvSpPr/>
+            <p:nvPr/>
+          </p:nvSpPr>
+          <p:spPr>
+            <a:xfrm>
+              <a:off x="9174633" y="6104750"/>
+              <a:ext cx="1894413" cy="950912"/>
+            </a:xfrm>
+            <a:prstGeom prst="rect">
+              <a:avLst/>
+            </a:prstGeom>
+            <a:solidFill>
+              <a:schemeClr val="bg1">
+                <a:lumMod val="85000"/>
+              </a:schemeClr>
+            </a:solidFill>
+            <a:ln>
+              <a:noFill/>
+            </a:ln>
+            <a:effectLst/>
+          </p:spPr>
+          <p:style>
+            <a:lnRef idx="2">
+              <a:schemeClr val="accent1">
+                <a:shade val="50000"/>
+              </a:schemeClr>
+            </a:lnRef>
+            <a:fillRef idx="1">
+              <a:schemeClr val="accent1"/>
+            </a:fillRef>
+            <a:effectRef idx="0">
+              <a:schemeClr val="accent1"/>
+            </a:effectRef>
+            <a:fontRef idx="minor">
+              <a:schemeClr val="lt1"/>
+            </a:fontRef>
+          </p:style>
+          <p:txBody>
+            <a:bodyPr lIns="0" rtlCol="0" anchor="ctr"/>
+            <a:lstStyle/>
+            <a:p>
+              <a:pPr algn="ctr"/>
+              <a:r>
+                <a:rPr lang="en-US" dirty="0">
+                  <a:solidFill>
+                    <a:schemeClr val="tx1"/>
+                  </a:solidFill>
+                  <a:latin typeface="Tahoma" panose="020B0604030504040204" pitchFamily="34" charset="0"/>
+                  <a:ea typeface="Tahoma" panose="020B0604030504040204" pitchFamily="34" charset="0"/>
+                  <a:cs typeface="Tahoma" panose="020B0604030504040204" pitchFamily="34" charset="0"/>
+                </a:rPr>
+                <a:t>Closed</a:t>
+              </a:r>
+            </a:p>
+            <a:p>
+              <a:pPr algn="ctr"/>
+              <a:r>
+                <a:rPr lang="en-US" dirty="0">
+                  <a:solidFill>
+                    <a:schemeClr val="tx1"/>
+                  </a:solidFill>
+                  <a:latin typeface="Tahoma" panose="020B0604030504040204" pitchFamily="34" charset="0"/>
+                  <a:ea typeface="Tahoma" panose="020B0604030504040204" pitchFamily="34" charset="0"/>
+                  <a:cs typeface="Tahoma" panose="020B0604030504040204" pitchFamily="34" charset="0"/>
+                </a:rPr>
+                <a:t>2015</a:t>
+              </a:r>
+            </a:p>
+          </p:txBody>
+        </p:sp>
+        <p:cxnSp>
+          <p:nvCxnSpPr>
+            <p:cNvPr id="11" name="Elbow Connector 10">
+              <a:extLst>
+                <a:ext uri="{FF2B5EF4-FFF2-40B4-BE49-F238E27FC236}">
+                  <a16:creationId xmlns:a16="http://schemas.microsoft.com/office/drawing/2014/main" id="{07ED7DAE-45C5-3648-8860-E7F24A3D56DC}"/>
+                </a:ext>
+              </a:extLst>
+            </p:cNvPr>
+            <p:cNvCxnSpPr>
+              <a:cxnSpLocks/>
+              <a:stCxn id="5" idx="0"/>
+              <a:endCxn id="9" idx="1"/>
+            </p:cNvCxnSpPr>
+            <p:nvPr/>
+          </p:nvCxnSpPr>
+          <p:spPr>
+            <a:xfrm rot="5400000" flipH="1" flipV="1">
+              <a:off x="6531341" y="4523885"/>
+              <a:ext cx="586970" cy="4699613"/>
+            </a:xfrm>
+            <a:prstGeom prst="bentConnector2">
+              <a:avLst/>
+            </a:prstGeom>
+            <a:ln w="38100">
+              <a:solidFill>
+                <a:srgbClr val="002060"/>
+              </a:solidFill>
+              <a:tailEnd type="triangle"/>
+            </a:ln>
+          </p:spPr>
+          <p:style>
+            <a:lnRef idx="1">
+              <a:schemeClr val="accent1"/>
+            </a:lnRef>
+            <a:fillRef idx="0">
+              <a:schemeClr val="accent1"/>
+            </a:fillRef>
+            <a:effectRef idx="0">
+              <a:schemeClr val="accent1"/>
+            </a:effectRef>
+            <a:fontRef idx="minor">
+              <a:schemeClr val="tx1"/>
+            </a:fontRef>
+          </p:style>
+        </p:cxnSp>
+        <p:cxnSp>
+          <p:nvCxnSpPr>
+            <p:cNvPr id="18" name="Straight Arrow Connector 17">
+              <a:extLst>
+                <a:ext uri="{FF2B5EF4-FFF2-40B4-BE49-F238E27FC236}">
+                  <a16:creationId xmlns:a16="http://schemas.microsoft.com/office/drawing/2014/main" id="{7A6CF1E2-6A89-7140-93A0-6231B2BDBA16}"/>
+                </a:ext>
+              </a:extLst>
+            </p:cNvPr>
+            <p:cNvCxnSpPr>
+              <a:cxnSpLocks/>
+              <a:stCxn id="5" idx="3"/>
+              <a:endCxn id="7" idx="1"/>
+            </p:cNvCxnSpPr>
+            <p:nvPr/>
+          </p:nvCxnSpPr>
+          <p:spPr>
+            <a:xfrm flipV="1">
+              <a:off x="5422226" y="7642631"/>
+              <a:ext cx="928997" cy="1"/>
+            </a:xfrm>
+            <a:prstGeom prst="straightConnector1">
+              <a:avLst/>
+            </a:prstGeom>
+            <a:ln w="38100">
+              <a:solidFill>
+                <a:srgbClr val="002060"/>
+              </a:solidFill>
+              <a:tailEnd type="triangle"/>
+            </a:ln>
+          </p:spPr>
+          <p:style>
+            <a:lnRef idx="1">
+              <a:schemeClr val="accent1"/>
+            </a:lnRef>
+            <a:fillRef idx="0">
+              <a:schemeClr val="accent1"/>
+            </a:fillRef>
+            <a:effectRef idx="0">
+              <a:schemeClr val="accent1"/>
+            </a:effectRef>
+            <a:fontRef idx="minor">
+              <a:schemeClr val="tx1"/>
+            </a:fontRef>
+          </p:style>
+        </p:cxnSp>
+        <p:cxnSp>
+          <p:nvCxnSpPr>
+            <p:cNvPr id="21" name="Straight Arrow Connector 20">
+              <a:extLst>
+                <a:ext uri="{FF2B5EF4-FFF2-40B4-BE49-F238E27FC236}">
+                  <a16:creationId xmlns:a16="http://schemas.microsoft.com/office/drawing/2014/main" id="{893E0688-76EC-5046-BDFF-195CA9679E1D}"/>
+                </a:ext>
+              </a:extLst>
+            </p:cNvPr>
+            <p:cNvCxnSpPr>
+              <a:cxnSpLocks/>
+              <a:stCxn id="7" idx="3"/>
+              <a:endCxn id="8" idx="1"/>
+            </p:cNvCxnSpPr>
+            <p:nvPr/>
+          </p:nvCxnSpPr>
+          <p:spPr>
+            <a:xfrm>
+              <a:off x="8245636" y="7642631"/>
+              <a:ext cx="928997" cy="0"/>
+            </a:xfrm>
+            <a:prstGeom prst="straightConnector1">
+              <a:avLst/>
+            </a:prstGeom>
+            <a:ln w="38100">
+              <a:solidFill>
+                <a:srgbClr val="002060"/>
+              </a:solidFill>
+              <a:tailEnd type="triangle"/>
+            </a:ln>
+          </p:spPr>
+          <p:style>
+            <a:lnRef idx="1">
+              <a:schemeClr val="accent1"/>
+            </a:lnRef>
+            <a:fillRef idx="0">
+              <a:schemeClr val="accent1"/>
+            </a:fillRef>
+            <a:effectRef idx="0">
+              <a:schemeClr val="accent1"/>
+            </a:effectRef>
+            <a:fontRef idx="minor">
+              <a:schemeClr val="tx1"/>
+            </a:fontRef>
+          </p:style>
+        </p:cxnSp>
+        <p:cxnSp>
+          <p:nvCxnSpPr>
+            <p:cNvPr id="26" name="Straight Arrow Connector 25">
+              <a:extLst>
+                <a:ext uri="{FF2B5EF4-FFF2-40B4-BE49-F238E27FC236}">
+                  <a16:creationId xmlns:a16="http://schemas.microsoft.com/office/drawing/2014/main" id="{1CA6E8E0-9446-584D-AA59-46311BF909CD}"/>
+                </a:ext>
+              </a:extLst>
+            </p:cNvPr>
+            <p:cNvCxnSpPr>
+              <a:cxnSpLocks/>
+              <a:stCxn id="7" idx="0"/>
+            </p:cNvCxnSpPr>
+            <p:nvPr/>
+          </p:nvCxnSpPr>
+          <p:spPr>
+            <a:xfrm flipV="1">
+              <a:off x="7298430" y="6559762"/>
+              <a:ext cx="0" cy="607413"/>
+            </a:xfrm>
+            <a:prstGeom prst="straightConnector1">
+              <a:avLst/>
+            </a:prstGeom>
+            <a:ln w="38100">
+              <a:solidFill>
+                <a:srgbClr val="002060"/>
+              </a:solidFill>
+              <a:tailEnd type="triangle"/>
+            </a:ln>
+          </p:spPr>
+          <p:style>
+            <a:lnRef idx="1">
+              <a:schemeClr val="accent1"/>
+            </a:lnRef>
+            <a:fillRef idx="0">
+              <a:schemeClr val="accent1"/>
+            </a:fillRef>
+            <a:effectRef idx="0">
+              <a:schemeClr val="accent1"/>
+            </a:effectRef>
+            <a:fontRef idx="minor">
+              <a:schemeClr val="tx1"/>
+            </a:fontRef>
+          </p:style>
+        </p:cxnSp>
+        <p:sp>
+          <p:nvSpPr>
+            <p:cNvPr id="29" name="TextBox 28">
+              <a:extLst>
+                <a:ext uri="{FF2B5EF4-FFF2-40B4-BE49-F238E27FC236}">
+                  <a16:creationId xmlns:a16="http://schemas.microsoft.com/office/drawing/2014/main" id="{D07DB199-236A-024F-A7AD-1EE6E1EFFD15}"/>
+                </a:ext>
+              </a:extLst>
+            </p:cNvPr>
+            <p:cNvSpPr txBox="1"/>
+            <p:nvPr/>
+          </p:nvSpPr>
+          <p:spPr>
+            <a:xfrm>
+              <a:off x="4011430" y="6678802"/>
+              <a:ext cx="463588" cy="369332"/>
+            </a:xfrm>
+            <a:prstGeom prst="rect">
+              <a:avLst/>
+            </a:prstGeom>
+            <a:noFill/>
+          </p:spPr>
+          <p:txBody>
+            <a:bodyPr wrap="none" rtlCol="0">
+              <a:spAutoFit/>
+            </a:bodyPr>
+            <a:lstStyle/>
+            <a:p>
+              <a:r>
+                <a:rPr lang="en-US" dirty="0">
+                  <a:latin typeface="Tahoma" panose="020B0604030504040204" pitchFamily="34" charset="0"/>
+                  <a:ea typeface="Tahoma" panose="020B0604030504040204" pitchFamily="34" charset="0"/>
+                  <a:cs typeface="Tahoma" panose="020B0604030504040204" pitchFamily="34" charset="0"/>
+                </a:rPr>
+                <a:t>No</a:t>
+              </a:r>
+            </a:p>
+          </p:txBody>
+        </p:sp>
+        <p:sp>
+          <p:nvSpPr>
+            <p:cNvPr id="30" name="TextBox 29">
+              <a:extLst>
+                <a:ext uri="{FF2B5EF4-FFF2-40B4-BE49-F238E27FC236}">
+                  <a16:creationId xmlns:a16="http://schemas.microsoft.com/office/drawing/2014/main" id="{06A761DE-C300-5147-A2D9-2315F14400EF}"/>
+                </a:ext>
+              </a:extLst>
+            </p:cNvPr>
+            <p:cNvSpPr txBox="1"/>
+            <p:nvPr/>
+          </p:nvSpPr>
+          <p:spPr>
+            <a:xfrm>
+              <a:off x="8478340" y="7748754"/>
+              <a:ext cx="463588" cy="369332"/>
+            </a:xfrm>
+            <a:prstGeom prst="rect">
+              <a:avLst/>
+            </a:prstGeom>
+            <a:noFill/>
+          </p:spPr>
+          <p:txBody>
+            <a:bodyPr wrap="none" rtlCol="0">
+              <a:spAutoFit/>
+            </a:bodyPr>
+            <a:lstStyle/>
+            <a:p>
+              <a:r>
+                <a:rPr lang="en-US" dirty="0">
+                  <a:latin typeface="Tahoma" panose="020B0604030504040204" pitchFamily="34" charset="0"/>
+                  <a:ea typeface="Tahoma" panose="020B0604030504040204" pitchFamily="34" charset="0"/>
+                  <a:cs typeface="Tahoma" panose="020B0604030504040204" pitchFamily="34" charset="0"/>
+                </a:rPr>
+                <a:t>No</a:t>
+              </a:r>
+            </a:p>
+          </p:txBody>
+        </p:sp>
+        <p:sp>
+          <p:nvSpPr>
+            <p:cNvPr id="31" name="TextBox 30">
+              <a:extLst>
+                <a:ext uri="{FF2B5EF4-FFF2-40B4-BE49-F238E27FC236}">
+                  <a16:creationId xmlns:a16="http://schemas.microsoft.com/office/drawing/2014/main" id="{C5366829-768A-1040-9EB3-2AED209A7E8D}"/>
+                </a:ext>
+              </a:extLst>
+            </p:cNvPr>
+            <p:cNvSpPr txBox="1"/>
+            <p:nvPr/>
+          </p:nvSpPr>
+          <p:spPr>
+            <a:xfrm>
+              <a:off x="5630690" y="7748754"/>
+              <a:ext cx="528286" cy="369332"/>
+            </a:xfrm>
+            <a:prstGeom prst="rect">
+              <a:avLst/>
+            </a:prstGeom>
+            <a:noFill/>
+          </p:spPr>
+          <p:txBody>
+            <a:bodyPr wrap="none" rtlCol="0">
+              <a:spAutoFit/>
+            </a:bodyPr>
+            <a:lstStyle/>
+            <a:p>
+              <a:r>
+                <a:rPr lang="en-US" dirty="0">
+                  <a:latin typeface="Tahoma" panose="020B0604030504040204" pitchFamily="34" charset="0"/>
+                  <a:ea typeface="Tahoma" panose="020B0604030504040204" pitchFamily="34" charset="0"/>
+                  <a:cs typeface="Tahoma" panose="020B0604030504040204" pitchFamily="34" charset="0"/>
+                </a:rPr>
+                <a:t>Yes</a:t>
+              </a:r>
+            </a:p>
+          </p:txBody>
+        </p:sp>
+        <p:sp>
+          <p:nvSpPr>
+            <p:cNvPr id="32" name="TextBox 31">
+              <a:extLst>
+                <a:ext uri="{FF2B5EF4-FFF2-40B4-BE49-F238E27FC236}">
+                  <a16:creationId xmlns:a16="http://schemas.microsoft.com/office/drawing/2014/main" id="{CDC9395E-A62E-864C-9FC3-703ACF86DE20}"/>
+                </a:ext>
+              </a:extLst>
+            </p:cNvPr>
+            <p:cNvSpPr txBox="1"/>
+            <p:nvPr/>
+          </p:nvSpPr>
+          <p:spPr>
+            <a:xfrm>
+              <a:off x="6770144" y="6678802"/>
+              <a:ext cx="528286" cy="369332"/>
+            </a:xfrm>
+            <a:prstGeom prst="rect">
+              <a:avLst/>
+            </a:prstGeom>
+            <a:noFill/>
+          </p:spPr>
+          <p:txBody>
+            <a:bodyPr wrap="none" rtlCol="0">
+              <a:spAutoFit/>
+            </a:bodyPr>
+            <a:lstStyle/>
+            <a:p>
+              <a:r>
+                <a:rPr lang="en-US" dirty="0">
+                  <a:latin typeface="Tahoma" panose="020B0604030504040204" pitchFamily="34" charset="0"/>
+                  <a:ea typeface="Tahoma" panose="020B0604030504040204" pitchFamily="34" charset="0"/>
+                  <a:cs typeface="Tahoma" panose="020B0604030504040204" pitchFamily="34" charset="0"/>
+                </a:rPr>
+                <a:t>Yes</a:t>
+              </a:r>
+            </a:p>
+          </p:txBody>
+        </p:sp>
+      </p:grpSp>
+    </p:spTree>
+    <p:extLst>
+      <p:ext uri="{BB962C8B-B14F-4D97-AF65-F5344CB8AC3E}">
+        <p14:creationId xmlns:p14="http://schemas.microsoft.com/office/powerpoint/2010/main" val="3193061387"/>
+      </p:ext>
+    </p:extLst>
+  </p:cSld>
+  <p:clrMapOvr>
+    <a:masterClrMapping/>
+  </p:clrMapOvr>
+</p:sld>
+</file>
+
 <file path=ppt/theme/theme1.xml><?xml version="1.0" encoding="utf-8"?>
 <a:theme xmlns:a="http://schemas.openxmlformats.org/drawingml/2006/main" name="Office Theme">
   <a:themeElements>
